--- a/ppt/Presentacion.pptx
+++ b/ppt/Presentacion.pptx
@@ -7,13 +7,15 @@
   <p:sldIdLst>
     <p:sldId id="256" r:id="rId2"/>
     <p:sldId id="257" r:id="rId3"/>
-    <p:sldId id="258" r:id="rId4"/>
-    <p:sldId id="265" r:id="rId5"/>
-    <p:sldId id="261" r:id="rId6"/>
-    <p:sldId id="259" r:id="rId7"/>
-    <p:sldId id="260" r:id="rId8"/>
-    <p:sldId id="264" r:id="rId9"/>
-    <p:sldId id="263" r:id="rId10"/>
+    <p:sldId id="267" r:id="rId4"/>
+    <p:sldId id="268" r:id="rId5"/>
+    <p:sldId id="269" r:id="rId6"/>
+    <p:sldId id="261" r:id="rId7"/>
+    <p:sldId id="266" r:id="rId8"/>
+    <p:sldId id="259" r:id="rId9"/>
+    <p:sldId id="260" r:id="rId10"/>
+    <p:sldId id="264" r:id="rId11"/>
+    <p:sldId id="263" r:id="rId12"/>
   </p:sldIdLst>
   <p:sldSz cx="12192000" cy="6858000"/>
   <p:notesSz cx="6858000" cy="9144000"/>
@@ -1410,7 +1412,7 @@
           <a:p>
             <a:fld id="{24E42BA1-14C5-4211-BA6B-6DF8ADF37FA5}" type="datetimeFigureOut">
               <a:rPr lang="es-ES" smtClean="0"/>
-              <a:t>10/01/2020</a:t>
+              <a:t>14/01/2020</a:t>
             </a:fld>
             <a:endParaRPr lang="es-ES"/>
           </a:p>
@@ -1661,7 +1663,7 @@
           <a:p>
             <a:fld id="{24E42BA1-14C5-4211-BA6B-6DF8ADF37FA5}" type="datetimeFigureOut">
               <a:rPr lang="es-ES" smtClean="0"/>
-              <a:t>10/01/2020</a:t>
+              <a:t>14/01/2020</a:t>
             </a:fld>
             <a:endParaRPr lang="es-ES"/>
           </a:p>
@@ -1975,7 +1977,7 @@
           <a:p>
             <a:fld id="{24E42BA1-14C5-4211-BA6B-6DF8ADF37FA5}" type="datetimeFigureOut">
               <a:rPr lang="es-ES" smtClean="0"/>
-              <a:t>10/01/2020</a:t>
+              <a:t>14/01/2020</a:t>
             </a:fld>
             <a:endParaRPr lang="es-ES"/>
           </a:p>
@@ -2316,7 +2318,7 @@
           <a:p>
             <a:fld id="{24E42BA1-14C5-4211-BA6B-6DF8ADF37FA5}" type="datetimeFigureOut">
               <a:rPr lang="es-ES" smtClean="0"/>
-              <a:t>10/01/2020</a:t>
+              <a:t>14/01/2020</a:t>
             </a:fld>
             <a:endParaRPr lang="es-ES"/>
           </a:p>
@@ -2630,7 +2632,7 @@
           <a:p>
             <a:fld id="{24E42BA1-14C5-4211-BA6B-6DF8ADF37FA5}" type="datetimeFigureOut">
               <a:rPr lang="es-ES" smtClean="0"/>
-              <a:t>10/01/2020</a:t>
+              <a:t>14/01/2020</a:t>
             </a:fld>
             <a:endParaRPr lang="es-ES"/>
           </a:p>
@@ -3023,7 +3025,7 @@
           <a:p>
             <a:fld id="{24E42BA1-14C5-4211-BA6B-6DF8ADF37FA5}" type="datetimeFigureOut">
               <a:rPr lang="es-ES" smtClean="0"/>
-              <a:t>10/01/2020</a:t>
+              <a:t>14/01/2020</a:t>
             </a:fld>
             <a:endParaRPr lang="es-ES"/>
           </a:p>
@@ -3193,7 +3195,7 @@
           <a:p>
             <a:fld id="{24E42BA1-14C5-4211-BA6B-6DF8ADF37FA5}" type="datetimeFigureOut">
               <a:rPr lang="es-ES" smtClean="0"/>
-              <a:t>10/01/2020</a:t>
+              <a:t>14/01/2020</a:t>
             </a:fld>
             <a:endParaRPr lang="es-ES"/>
           </a:p>
@@ -3373,7 +3375,7 @@
           <a:p>
             <a:fld id="{24E42BA1-14C5-4211-BA6B-6DF8ADF37FA5}" type="datetimeFigureOut">
               <a:rPr lang="es-ES" smtClean="0"/>
-              <a:t>10/01/2020</a:t>
+              <a:t>14/01/2020</a:t>
             </a:fld>
             <a:endParaRPr lang="es-ES"/>
           </a:p>
@@ -3549,7 +3551,7 @@
           <a:p>
             <a:fld id="{24E42BA1-14C5-4211-BA6B-6DF8ADF37FA5}" type="datetimeFigureOut">
               <a:rPr lang="es-ES" smtClean="0"/>
-              <a:t>10/01/2020</a:t>
+              <a:t>14/01/2020</a:t>
             </a:fld>
             <a:endParaRPr lang="es-ES"/>
           </a:p>
@@ -3796,7 +3798,7 @@
           <a:p>
             <a:fld id="{24E42BA1-14C5-4211-BA6B-6DF8ADF37FA5}" type="datetimeFigureOut">
               <a:rPr lang="es-ES" smtClean="0"/>
-              <a:t>10/01/2020</a:t>
+              <a:t>14/01/2020</a:t>
             </a:fld>
             <a:endParaRPr lang="es-ES"/>
           </a:p>
@@ -4028,7 +4030,7 @@
           <a:p>
             <a:fld id="{24E42BA1-14C5-4211-BA6B-6DF8ADF37FA5}" type="datetimeFigureOut">
               <a:rPr lang="es-ES" smtClean="0"/>
-              <a:t>10/01/2020</a:t>
+              <a:t>14/01/2020</a:t>
             </a:fld>
             <a:endParaRPr lang="es-ES"/>
           </a:p>
@@ -4402,7 +4404,7 @@
           <a:p>
             <a:fld id="{24E42BA1-14C5-4211-BA6B-6DF8ADF37FA5}" type="datetimeFigureOut">
               <a:rPr lang="es-ES" smtClean="0"/>
-              <a:t>10/01/2020</a:t>
+              <a:t>14/01/2020</a:t>
             </a:fld>
             <a:endParaRPr lang="es-ES"/>
           </a:p>
@@ -4525,7 +4527,7 @@
           <a:p>
             <a:fld id="{24E42BA1-14C5-4211-BA6B-6DF8ADF37FA5}" type="datetimeFigureOut">
               <a:rPr lang="es-ES" smtClean="0"/>
-              <a:t>10/01/2020</a:t>
+              <a:t>14/01/2020</a:t>
             </a:fld>
             <a:endParaRPr lang="es-ES"/>
           </a:p>
@@ -4620,7 +4622,7 @@
           <a:p>
             <a:fld id="{24E42BA1-14C5-4211-BA6B-6DF8ADF37FA5}" type="datetimeFigureOut">
               <a:rPr lang="es-ES" smtClean="0"/>
-              <a:t>10/01/2020</a:t>
+              <a:t>14/01/2020</a:t>
             </a:fld>
             <a:endParaRPr lang="es-ES"/>
           </a:p>
@@ -4875,7 +4877,7 @@
           <a:p>
             <a:fld id="{24E42BA1-14C5-4211-BA6B-6DF8ADF37FA5}" type="datetimeFigureOut">
               <a:rPr lang="es-ES" smtClean="0"/>
-              <a:t>10/01/2020</a:t>
+              <a:t>14/01/2020</a:t>
             </a:fld>
             <a:endParaRPr lang="es-ES"/>
           </a:p>
@@ -5138,7 +5140,7 @@
           <a:p>
             <a:fld id="{24E42BA1-14C5-4211-BA6B-6DF8ADF37FA5}" type="datetimeFigureOut">
               <a:rPr lang="es-ES" smtClean="0"/>
-              <a:t>10/01/2020</a:t>
+              <a:t>14/01/2020</a:t>
             </a:fld>
             <a:endParaRPr lang="es-ES"/>
           </a:p>
@@ -5881,7 +5883,7 @@
           <a:p>
             <a:fld id="{24E42BA1-14C5-4211-BA6B-6DF8ADF37FA5}" type="datetimeFigureOut">
               <a:rPr lang="es-ES" smtClean="0"/>
-              <a:t>10/01/2020</a:t>
+              <a:t>14/01/2020</a:t>
             </a:fld>
             <a:endParaRPr lang="es-ES"/>
           </a:p>
@@ -6583,839 +6585,7 @@
 </p:sld>
 </file>
 
-<file path=ppt/slides/slide2.xml><?xml version="1.0" encoding="utf-8"?>
-<p:sld xmlns:a="http://schemas.openxmlformats.org/drawingml/2006/main" xmlns:r="http://schemas.openxmlformats.org/officeDocument/2006/relationships" xmlns:p="http://schemas.openxmlformats.org/presentationml/2006/main">
-  <p:cSld>
-    <p:spTree>
-      <p:nvGrpSpPr>
-        <p:cNvPr id="1" name=""/>
-        <p:cNvGrpSpPr/>
-        <p:nvPr/>
-      </p:nvGrpSpPr>
-      <p:grpSpPr>
-        <a:xfrm>
-          <a:off x="0" y="0"/>
-          <a:ext cx="0" cy="0"/>
-          <a:chOff x="0" y="0"/>
-          <a:chExt cx="0" cy="0"/>
-        </a:xfrm>
-      </p:grpSpPr>
-      <p:sp>
-        <p:nvSpPr>
-          <p:cNvPr id="3" name="Título 1">
-            <a:extLst>
-              <a:ext uri="{FF2B5EF4-FFF2-40B4-BE49-F238E27FC236}">
-                <a16:creationId xmlns:a16="http://schemas.microsoft.com/office/drawing/2014/main" id="{171ABAC4-777D-4435-8FC8-0F1CBCA8AEE1}"/>
-              </a:ext>
-            </a:extLst>
-          </p:cNvPr>
-          <p:cNvSpPr>
-            <a:spLocks noGrp="1"/>
-          </p:cNvSpPr>
-          <p:nvPr>
-            <p:ph type="title"/>
-          </p:nvPr>
-        </p:nvSpPr>
-        <p:spPr>
-          <a:xfrm>
-            <a:off x="356823" y="298516"/>
-            <a:ext cx="8596668" cy="1320800"/>
-          </a:xfrm>
-        </p:spPr>
-        <p:txBody>
-          <a:bodyPr/>
-          <a:lstStyle/>
-          <a:p>
-            <a:r>
-              <a:rPr lang="es-ES" dirty="0"/>
-              <a:t>Índice</a:t>
-            </a:r>
-          </a:p>
-        </p:txBody>
-      </p:sp>
-      <p:sp>
-        <p:nvSpPr>
-          <p:cNvPr id="5" name="CuadroTexto 4">
-            <a:extLst>
-              <a:ext uri="{FF2B5EF4-FFF2-40B4-BE49-F238E27FC236}">
-                <a16:creationId xmlns:a16="http://schemas.microsoft.com/office/drawing/2014/main" id="{81878317-F171-41D2-A64D-28F28E46A60A}"/>
-              </a:ext>
-            </a:extLst>
-          </p:cNvPr>
-          <p:cNvSpPr txBox="1"/>
-          <p:nvPr/>
-        </p:nvSpPr>
-        <p:spPr>
-          <a:xfrm>
-            <a:off x="1282045" y="1489434"/>
-            <a:ext cx="8927184" cy="5663089"/>
-          </a:xfrm>
-          <a:prstGeom prst="rect">
-            <a:avLst/>
-          </a:prstGeom>
-          <a:noFill/>
-        </p:spPr>
-        <p:txBody>
-          <a:bodyPr wrap="square" rtlCol="0">
-            <a:spAutoFit/>
-          </a:bodyPr>
-          <a:lstStyle/>
-          <a:p>
-            <a:pPr marL="285750" indent="-285750">
-              <a:buFont typeface="Arial" panose="020B0604020202020204" pitchFamily="34" charset="0"/>
-              <a:buChar char="•"/>
-            </a:pPr>
-            <a:r>
-              <a:rPr lang="es-ES" sz="2800" b="1" dirty="0">
-                <a:solidFill>
-                  <a:schemeClr val="accent1"/>
-                </a:solidFill>
-              </a:rPr>
-              <a:t>Escenario</a:t>
-            </a:r>
-          </a:p>
-          <a:p>
-            <a:pPr marL="742950" lvl="1" indent="-285750">
-              <a:buFont typeface="Arial" panose="020B0604020202020204" pitchFamily="34" charset="0"/>
-              <a:buChar char="•"/>
-            </a:pPr>
-            <a:r>
-              <a:rPr lang="es-ES" sz="2800" dirty="0">
-                <a:solidFill>
-                  <a:schemeClr val="accent1"/>
-                </a:solidFill>
-              </a:rPr>
-              <a:t>Escenario a bajo nivel</a:t>
-            </a:r>
-          </a:p>
-          <a:p>
-            <a:pPr marL="742950" lvl="1" indent="-285750">
-              <a:buFont typeface="Arial" panose="020B0604020202020204" pitchFamily="34" charset="0"/>
-              <a:buChar char="•"/>
-            </a:pPr>
-            <a:endParaRPr lang="es-ES" sz="2800" dirty="0">
-              <a:solidFill>
-                <a:schemeClr val="accent1"/>
-              </a:solidFill>
-            </a:endParaRPr>
-          </a:p>
-          <a:p>
-            <a:pPr marL="285750" indent="-285750">
-              <a:buFont typeface="Arial" panose="020B0604020202020204" pitchFamily="34" charset="0"/>
-              <a:buChar char="•"/>
-            </a:pPr>
-            <a:r>
-              <a:rPr lang="es-ES" sz="2800" b="1" dirty="0">
-                <a:solidFill>
-                  <a:schemeClr val="accent1"/>
-                </a:solidFill>
-              </a:rPr>
-              <a:t>Herramientas y colectores de datos</a:t>
-            </a:r>
-          </a:p>
-          <a:p>
-            <a:pPr marL="285750" indent="-285750">
-              <a:buFont typeface="Arial" panose="020B0604020202020204" pitchFamily="34" charset="0"/>
-              <a:buChar char="•"/>
-            </a:pPr>
-            <a:endParaRPr lang="es-ES" sz="2800" b="1" dirty="0">
-              <a:solidFill>
-                <a:schemeClr val="accent1"/>
-              </a:solidFill>
-            </a:endParaRPr>
-          </a:p>
-          <a:p>
-            <a:pPr marL="285750" indent="-285750">
-              <a:buFont typeface="Arial" panose="020B0604020202020204" pitchFamily="34" charset="0"/>
-              <a:buChar char="•"/>
-            </a:pPr>
-            <a:r>
-              <a:rPr lang="es-ES" sz="2800" b="1" dirty="0">
-                <a:solidFill>
-                  <a:schemeClr val="accent1"/>
-                </a:solidFill>
-              </a:rPr>
-              <a:t>Ataque</a:t>
-            </a:r>
-          </a:p>
-          <a:p>
-            <a:pPr marL="285750" indent="-285750">
-              <a:buFont typeface="Arial" panose="020B0604020202020204" pitchFamily="34" charset="0"/>
-              <a:buChar char="•"/>
-            </a:pPr>
-            <a:endParaRPr lang="es-ES" sz="2800" b="1" dirty="0">
-              <a:solidFill>
-                <a:schemeClr val="accent1"/>
-              </a:solidFill>
-            </a:endParaRPr>
-          </a:p>
-          <a:p>
-            <a:pPr marL="285750" indent="-285750">
-              <a:buFont typeface="Arial" panose="020B0604020202020204" pitchFamily="34" charset="0"/>
-              <a:buChar char="•"/>
-            </a:pPr>
-            <a:r>
-              <a:rPr lang="es-ES" sz="2800" b="1" dirty="0">
-                <a:solidFill>
-                  <a:schemeClr val="accent1"/>
-                </a:solidFill>
-              </a:rPr>
-              <a:t>IA esquema</a:t>
-            </a:r>
-          </a:p>
-          <a:p>
-            <a:pPr marL="742950" lvl="1" indent="-285750">
-              <a:buFont typeface="Arial" panose="020B0604020202020204" pitchFamily="34" charset="0"/>
-              <a:buChar char="•"/>
-            </a:pPr>
-            <a:r>
-              <a:rPr lang="es-ES" sz="2800" dirty="0">
-                <a:solidFill>
-                  <a:schemeClr val="accent1"/>
-                </a:solidFill>
-              </a:rPr>
-              <a:t>IA clasificación</a:t>
-            </a:r>
-          </a:p>
-          <a:p>
-            <a:pPr marL="742950" lvl="1" indent="-285750">
-              <a:buFont typeface="Arial" panose="020B0604020202020204" pitchFamily="34" charset="0"/>
-              <a:buChar char="•"/>
-            </a:pPr>
-            <a:endParaRPr lang="es-ES" sz="2800" dirty="0">
-              <a:solidFill>
-                <a:schemeClr val="accent1"/>
-              </a:solidFill>
-            </a:endParaRPr>
-          </a:p>
-          <a:p>
-            <a:pPr marL="285750" indent="-285750">
-              <a:buFont typeface="Arial" panose="020B0604020202020204" pitchFamily="34" charset="0"/>
-              <a:buChar char="•"/>
-            </a:pPr>
-            <a:r>
-              <a:rPr lang="es-ES" sz="2800" b="1" dirty="0" err="1">
-                <a:solidFill>
-                  <a:schemeClr val="accent1"/>
-                </a:solidFill>
-              </a:rPr>
-              <a:t>Grafana</a:t>
-            </a:r>
-            <a:endParaRPr lang="es-ES" sz="2800" b="1" dirty="0">
-              <a:solidFill>
-                <a:schemeClr val="accent1"/>
-              </a:solidFill>
-            </a:endParaRPr>
-          </a:p>
-          <a:p>
-            <a:pPr marL="285750" indent="-285750">
-              <a:buFont typeface="Arial" panose="020B0604020202020204" pitchFamily="34" charset="0"/>
-              <a:buChar char="•"/>
-            </a:pPr>
-            <a:endParaRPr lang="es-ES" dirty="0"/>
-          </a:p>
-          <a:p>
-            <a:pPr lvl="1"/>
-            <a:endParaRPr lang="es-ES" dirty="0"/>
-          </a:p>
-          <a:p>
-            <a:pPr lvl="1"/>
-            <a:endParaRPr lang="es-ES" dirty="0"/>
-          </a:p>
-        </p:txBody>
-      </p:sp>
-    </p:spTree>
-    <p:extLst>
-      <p:ext uri="{BB962C8B-B14F-4D97-AF65-F5344CB8AC3E}">
-        <p14:creationId xmlns:p14="http://schemas.microsoft.com/office/powerpoint/2010/main" val="4231031645"/>
-      </p:ext>
-    </p:extLst>
-  </p:cSld>
-  <p:clrMapOvr>
-    <a:masterClrMapping/>
-  </p:clrMapOvr>
-</p:sld>
-</file>
-
-<file path=ppt/slides/slide3.xml><?xml version="1.0" encoding="utf-8"?>
-<p:sld xmlns:a="http://schemas.openxmlformats.org/drawingml/2006/main" xmlns:r="http://schemas.openxmlformats.org/officeDocument/2006/relationships" xmlns:p="http://schemas.openxmlformats.org/presentationml/2006/main">
-  <p:cSld>
-    <p:spTree>
-      <p:nvGrpSpPr>
-        <p:cNvPr id="1" name=""/>
-        <p:cNvGrpSpPr/>
-        <p:nvPr/>
-      </p:nvGrpSpPr>
-      <p:grpSpPr>
-        <a:xfrm>
-          <a:off x="0" y="0"/>
-          <a:ext cx="0" cy="0"/>
-          <a:chOff x="0" y="0"/>
-          <a:chExt cx="0" cy="0"/>
-        </a:xfrm>
-      </p:grpSpPr>
-      <p:sp>
-        <p:nvSpPr>
-          <p:cNvPr id="3" name="Título 1">
-            <a:extLst>
-              <a:ext uri="{FF2B5EF4-FFF2-40B4-BE49-F238E27FC236}">
-                <a16:creationId xmlns:a16="http://schemas.microsoft.com/office/drawing/2014/main" id="{D1664FA4-F67D-473A-A47F-F4C5F380AD1C}"/>
-              </a:ext>
-            </a:extLst>
-          </p:cNvPr>
-          <p:cNvSpPr>
-            <a:spLocks noGrp="1"/>
-          </p:cNvSpPr>
-          <p:nvPr>
-            <p:ph type="title"/>
-          </p:nvPr>
-        </p:nvSpPr>
-        <p:spPr>
-          <a:xfrm>
-            <a:off x="286442" y="170544"/>
-            <a:ext cx="8596668" cy="1320800"/>
-          </a:xfrm>
-        </p:spPr>
-        <p:txBody>
-          <a:bodyPr/>
-          <a:lstStyle/>
-          <a:p>
-            <a:r>
-              <a:rPr lang="es-ES" dirty="0"/>
-              <a:t>Escenario (</a:t>
-            </a:r>
-            <a:r>
-              <a:rPr lang="es-ES" dirty="0" err="1"/>
-              <a:t>david</a:t>
-            </a:r>
-            <a:r>
-              <a:rPr lang="es-ES" dirty="0"/>
-              <a:t>)</a:t>
-            </a:r>
-          </a:p>
-        </p:txBody>
-      </p:sp>
-      <p:pic>
-        <p:nvPicPr>
-          <p:cNvPr id="5" name="Imagen 4" descr="Imagen que contiene mapa&#10;&#10;Descripción generada automáticamente">
-            <a:extLst>
-              <a:ext uri="{FF2B5EF4-FFF2-40B4-BE49-F238E27FC236}">
-                <a16:creationId xmlns:a16="http://schemas.microsoft.com/office/drawing/2014/main" id="{2882E412-F991-41D9-90AD-6532185929EE}"/>
-              </a:ext>
-            </a:extLst>
-          </p:cNvPr>
-          <p:cNvPicPr>
-            <a:picLocks noChangeAspect="1"/>
-          </p:cNvPicPr>
-          <p:nvPr/>
-        </p:nvPicPr>
-        <p:blipFill>
-          <a:blip r:embed="rId2">
-            <a:extLst>
-              <a:ext uri="{28A0092B-C50C-407E-A947-70E740481C1C}">
-                <a14:useLocalDpi xmlns:a14="http://schemas.microsoft.com/office/drawing/2010/main" val="0"/>
-              </a:ext>
-            </a:extLst>
-          </a:blip>
-          <a:stretch>
-            <a:fillRect/>
-          </a:stretch>
-        </p:blipFill>
-        <p:spPr>
-          <a:xfrm>
-            <a:off x="517078" y="1112363"/>
-            <a:ext cx="8752262" cy="4923148"/>
-          </a:xfrm>
-          <a:prstGeom prst="rect">
-            <a:avLst/>
-          </a:prstGeom>
-        </p:spPr>
-      </p:pic>
-    </p:spTree>
-    <p:extLst>
-      <p:ext uri="{BB962C8B-B14F-4D97-AF65-F5344CB8AC3E}">
-        <p14:creationId xmlns:p14="http://schemas.microsoft.com/office/powerpoint/2010/main" val="555463498"/>
-      </p:ext>
-    </p:extLst>
-  </p:cSld>
-  <p:clrMapOvr>
-    <a:masterClrMapping/>
-  </p:clrMapOvr>
-</p:sld>
-</file>
-
-<file path=ppt/slides/slide4.xml><?xml version="1.0" encoding="utf-8"?>
-<p:sld xmlns:a="http://schemas.openxmlformats.org/drawingml/2006/main" xmlns:r="http://schemas.openxmlformats.org/officeDocument/2006/relationships" xmlns:p="http://schemas.openxmlformats.org/presentationml/2006/main">
-  <p:cSld>
-    <p:spTree>
-      <p:nvGrpSpPr>
-        <p:cNvPr id="1" name=""/>
-        <p:cNvGrpSpPr/>
-        <p:nvPr/>
-      </p:nvGrpSpPr>
-      <p:grpSpPr>
-        <a:xfrm>
-          <a:off x="0" y="0"/>
-          <a:ext cx="0" cy="0"/>
-          <a:chOff x="0" y="0"/>
-          <a:chExt cx="0" cy="0"/>
-        </a:xfrm>
-      </p:grpSpPr>
-      <p:sp>
-        <p:nvSpPr>
-          <p:cNvPr id="2" name="Título 1">
-            <a:extLst>
-              <a:ext uri="{FF2B5EF4-FFF2-40B4-BE49-F238E27FC236}">
-                <a16:creationId xmlns:a16="http://schemas.microsoft.com/office/drawing/2014/main" id="{DE1A2F41-2702-4240-A2B0-57F114BB080A}"/>
-              </a:ext>
-            </a:extLst>
-          </p:cNvPr>
-          <p:cNvSpPr>
-            <a:spLocks noGrp="1"/>
-          </p:cNvSpPr>
-          <p:nvPr>
-            <p:ph type="title"/>
-          </p:nvPr>
-        </p:nvSpPr>
-        <p:spPr/>
-        <p:txBody>
-          <a:bodyPr/>
-          <a:lstStyle/>
-          <a:p>
-            <a:r>
-              <a:rPr lang="es-ES" dirty="0"/>
-              <a:t>Escenario a bajo nivel (</a:t>
-            </a:r>
-            <a:r>
-              <a:rPr lang="es-ES" dirty="0" err="1"/>
-              <a:t>david</a:t>
-            </a:r>
-            <a:r>
-              <a:rPr lang="es-ES" dirty="0"/>
-              <a:t>)</a:t>
-            </a:r>
-          </a:p>
-        </p:txBody>
-      </p:sp>
-      <p:pic>
-        <p:nvPicPr>
-          <p:cNvPr id="5" name="Imagen 4" descr="Imagen que contiene reloj&#10;&#10;Descripción generada automáticamente">
-            <a:extLst>
-              <a:ext uri="{FF2B5EF4-FFF2-40B4-BE49-F238E27FC236}">
-                <a16:creationId xmlns:a16="http://schemas.microsoft.com/office/drawing/2014/main" id="{01436209-AF0A-4BE3-8224-D1AA339E20D6}"/>
-              </a:ext>
-            </a:extLst>
-          </p:cNvPr>
-          <p:cNvPicPr>
-            <a:picLocks noChangeAspect="1"/>
-          </p:cNvPicPr>
-          <p:nvPr/>
-        </p:nvPicPr>
-        <p:blipFill>
-          <a:blip r:embed="rId2">
-            <a:extLst>
-              <a:ext uri="{28A0092B-C50C-407E-A947-70E740481C1C}">
-                <a14:useLocalDpi xmlns:a14="http://schemas.microsoft.com/office/drawing/2010/main" val="0"/>
-              </a:ext>
-            </a:extLst>
-          </a:blip>
-          <a:stretch>
-            <a:fillRect/>
-          </a:stretch>
-        </p:blipFill>
-        <p:spPr>
-          <a:xfrm>
-            <a:off x="1102659" y="1930400"/>
-            <a:ext cx="7315200" cy="4114800"/>
-          </a:xfrm>
-          <a:prstGeom prst="rect">
-            <a:avLst/>
-          </a:prstGeom>
-        </p:spPr>
-      </p:pic>
-    </p:spTree>
-    <p:extLst>
-      <p:ext uri="{BB962C8B-B14F-4D97-AF65-F5344CB8AC3E}">
-        <p14:creationId xmlns:p14="http://schemas.microsoft.com/office/powerpoint/2010/main" val="2198765986"/>
-      </p:ext>
-    </p:extLst>
-  </p:cSld>
-  <p:clrMapOvr>
-    <a:masterClrMapping/>
-  </p:clrMapOvr>
-</p:sld>
-</file>
-
-<file path=ppt/slides/slide5.xml><?xml version="1.0" encoding="utf-8"?>
-<p:sld xmlns:a="http://schemas.openxmlformats.org/drawingml/2006/main" xmlns:r="http://schemas.openxmlformats.org/officeDocument/2006/relationships" xmlns:p="http://schemas.openxmlformats.org/presentationml/2006/main">
-  <p:cSld>
-    <p:spTree>
-      <p:nvGrpSpPr>
-        <p:cNvPr id="1" name=""/>
-        <p:cNvGrpSpPr/>
-        <p:nvPr/>
-      </p:nvGrpSpPr>
-      <p:grpSpPr>
-        <a:xfrm>
-          <a:off x="0" y="0"/>
-          <a:ext cx="0" cy="0"/>
-          <a:chOff x="0" y="0"/>
-          <a:chExt cx="0" cy="0"/>
-        </a:xfrm>
-      </p:grpSpPr>
-      <p:sp>
-        <p:nvSpPr>
-          <p:cNvPr id="5" name="Título 1">
-            <a:extLst>
-              <a:ext uri="{FF2B5EF4-FFF2-40B4-BE49-F238E27FC236}">
-                <a16:creationId xmlns:a16="http://schemas.microsoft.com/office/drawing/2014/main" id="{D40E2DA4-1903-470E-9985-AED4319E0A68}"/>
-              </a:ext>
-            </a:extLst>
-          </p:cNvPr>
-          <p:cNvSpPr>
-            <a:spLocks noGrp="1"/>
-          </p:cNvSpPr>
-          <p:nvPr>
-            <p:ph type="title"/>
-          </p:nvPr>
-        </p:nvSpPr>
-        <p:spPr>
-          <a:xfrm>
-            <a:off x="677334" y="609600"/>
-            <a:ext cx="8596668" cy="1320800"/>
-          </a:xfrm>
-        </p:spPr>
-        <p:txBody>
-          <a:bodyPr/>
-          <a:lstStyle/>
-          <a:p>
-            <a:r>
-              <a:rPr lang="es-ES" dirty="0"/>
-              <a:t>Tools and Data </a:t>
-            </a:r>
-            <a:r>
-              <a:rPr lang="es-ES" dirty="0" err="1"/>
-              <a:t>colllector</a:t>
-            </a:r>
-            <a:r>
-              <a:rPr lang="es-ES" dirty="0"/>
-              <a:t> (Adri)</a:t>
-            </a:r>
-          </a:p>
-        </p:txBody>
-      </p:sp>
-      <p:pic>
-        <p:nvPicPr>
-          <p:cNvPr id="1026" name="Picture 2" descr="Resultado de imagen de influx logo">
-            <a:extLst>
-              <a:ext uri="{FF2B5EF4-FFF2-40B4-BE49-F238E27FC236}">
-                <a16:creationId xmlns:a16="http://schemas.microsoft.com/office/drawing/2014/main" id="{E8E72064-E5A8-4F92-AD0F-D21C4CEB52E5}"/>
-              </a:ext>
-            </a:extLst>
-          </p:cNvPr>
-          <p:cNvPicPr>
-            <a:picLocks noChangeAspect="1" noChangeArrowheads="1"/>
-          </p:cNvPicPr>
-          <p:nvPr/>
-        </p:nvPicPr>
-        <p:blipFill>
-          <a:blip r:embed="rId2">
-            <a:extLst>
-              <a:ext uri="{28A0092B-C50C-407E-A947-70E740481C1C}">
-                <a14:useLocalDpi xmlns:a14="http://schemas.microsoft.com/office/drawing/2010/main" val="0"/>
-              </a:ext>
-            </a:extLst>
-          </a:blip>
-          <a:srcRect/>
-          <a:stretch>
-            <a:fillRect/>
-          </a:stretch>
-        </p:blipFill>
-        <p:spPr bwMode="auto">
-          <a:xfrm>
-            <a:off x="424206" y="1515269"/>
-            <a:ext cx="5778038" cy="2151063"/>
-          </a:xfrm>
-          <a:prstGeom prst="rect">
-            <a:avLst/>
-          </a:prstGeom>
-          <a:noFill/>
-          <a:extLst>
-            <a:ext uri="{909E8E84-426E-40DD-AFC4-6F175D3DCCD1}">
-              <a14:hiddenFill xmlns:a14="http://schemas.microsoft.com/office/drawing/2010/main">
-                <a:solidFill>
-                  <a:srgbClr val="FFFFFF"/>
-                </a:solidFill>
-              </a14:hiddenFill>
-            </a:ext>
-          </a:extLst>
-        </p:spPr>
-      </p:pic>
-      <p:pic>
-        <p:nvPicPr>
-          <p:cNvPr id="1028" name="Picture 4" descr="Resultado de imagen de telegraf logo">
-            <a:extLst>
-              <a:ext uri="{FF2B5EF4-FFF2-40B4-BE49-F238E27FC236}">
-                <a16:creationId xmlns:a16="http://schemas.microsoft.com/office/drawing/2014/main" id="{46DC9435-287A-4E0E-904B-DC6735F5D67A}"/>
-              </a:ext>
-            </a:extLst>
-          </p:cNvPr>
-          <p:cNvPicPr>
-            <a:picLocks noChangeAspect="1" noChangeArrowheads="1"/>
-          </p:cNvPicPr>
-          <p:nvPr/>
-        </p:nvPicPr>
-        <p:blipFill>
-          <a:blip r:embed="rId3">
-            <a:extLst>
-              <a:ext uri="{28A0092B-C50C-407E-A947-70E740481C1C}">
-                <a14:useLocalDpi xmlns:a14="http://schemas.microsoft.com/office/drawing/2010/main" val="0"/>
-              </a:ext>
-            </a:extLst>
-          </a:blip>
-          <a:srcRect/>
-          <a:stretch>
-            <a:fillRect/>
-          </a:stretch>
-        </p:blipFill>
-        <p:spPr bwMode="auto">
-          <a:xfrm>
-            <a:off x="561031" y="3251200"/>
-            <a:ext cx="5852933" cy="3048795"/>
-          </a:xfrm>
-          <a:prstGeom prst="rect">
-            <a:avLst/>
-          </a:prstGeom>
-          <a:noFill/>
-          <a:extLst>
-            <a:ext uri="{909E8E84-426E-40DD-AFC4-6F175D3DCCD1}">
-              <a14:hiddenFill xmlns:a14="http://schemas.microsoft.com/office/drawing/2010/main">
-                <a:solidFill>
-                  <a:srgbClr val="FFFFFF"/>
-                </a:solidFill>
-              </a14:hiddenFill>
-            </a:ext>
-          </a:extLst>
-        </p:spPr>
-      </p:pic>
-    </p:spTree>
-    <p:extLst>
-      <p:ext uri="{BB962C8B-B14F-4D97-AF65-F5344CB8AC3E}">
-        <p14:creationId xmlns:p14="http://schemas.microsoft.com/office/powerpoint/2010/main" val="70665490"/>
-      </p:ext>
-    </p:extLst>
-  </p:cSld>
-  <p:clrMapOvr>
-    <a:masterClrMapping/>
-  </p:clrMapOvr>
-</p:sld>
-</file>
-
-<file path=ppt/slides/slide6.xml><?xml version="1.0" encoding="utf-8"?>
-<p:sld xmlns:a="http://schemas.openxmlformats.org/drawingml/2006/main" xmlns:r="http://schemas.openxmlformats.org/officeDocument/2006/relationships" xmlns:p="http://schemas.openxmlformats.org/presentationml/2006/main">
-  <p:cSld>
-    <p:spTree>
-      <p:nvGrpSpPr>
-        <p:cNvPr id="1" name=""/>
-        <p:cNvGrpSpPr/>
-        <p:nvPr/>
-      </p:nvGrpSpPr>
-      <p:grpSpPr>
-        <a:xfrm>
-          <a:off x="0" y="0"/>
-          <a:ext cx="0" cy="0"/>
-          <a:chOff x="0" y="0"/>
-          <a:chExt cx="0" cy="0"/>
-        </a:xfrm>
-      </p:grpSpPr>
-      <p:sp>
-        <p:nvSpPr>
-          <p:cNvPr id="6" name="Título 1">
-            <a:extLst>
-              <a:ext uri="{FF2B5EF4-FFF2-40B4-BE49-F238E27FC236}">
-                <a16:creationId xmlns:a16="http://schemas.microsoft.com/office/drawing/2014/main" id="{F3A9DDDA-11C9-4C6E-B01A-A31612296D13}"/>
-              </a:ext>
-            </a:extLst>
-          </p:cNvPr>
-          <p:cNvSpPr>
-            <a:spLocks noGrp="1"/>
-          </p:cNvSpPr>
-          <p:nvPr>
-            <p:ph type="title"/>
-          </p:nvPr>
-        </p:nvSpPr>
-        <p:spPr>
-          <a:xfrm>
-            <a:off x="300262" y="241955"/>
-            <a:ext cx="8596668" cy="1320800"/>
-          </a:xfrm>
-        </p:spPr>
-        <p:txBody>
-          <a:bodyPr/>
-          <a:lstStyle/>
-          <a:p>
-            <a:r>
-              <a:rPr lang="es-ES" dirty="0" err="1"/>
-              <a:t>Attack</a:t>
-            </a:r>
-            <a:r>
-              <a:rPr lang="es-ES" dirty="0"/>
-              <a:t> (</a:t>
-            </a:r>
-            <a:r>
-              <a:rPr lang="es-ES" dirty="0" err="1"/>
-              <a:t>david</a:t>
-            </a:r>
-            <a:r>
-              <a:rPr lang="es-ES" dirty="0"/>
-              <a:t>)</a:t>
-            </a:r>
-          </a:p>
-        </p:txBody>
-      </p:sp>
-      <p:pic>
-        <p:nvPicPr>
-          <p:cNvPr id="8" name="Imagen 7" descr="Imagen que contiene texto, mapa&#10;&#10;Descripción generada automáticamente">
-            <a:extLst>
-              <a:ext uri="{FF2B5EF4-FFF2-40B4-BE49-F238E27FC236}">
-                <a16:creationId xmlns:a16="http://schemas.microsoft.com/office/drawing/2014/main" id="{2F419E06-A6EA-4F0C-9372-5A3CC6C11CE2}"/>
-              </a:ext>
-            </a:extLst>
-          </p:cNvPr>
-          <p:cNvPicPr>
-            <a:picLocks noChangeAspect="1"/>
-          </p:cNvPicPr>
-          <p:nvPr/>
-        </p:nvPicPr>
-        <p:blipFill>
-          <a:blip r:embed="rId2">
-            <a:extLst>
-              <a:ext uri="{28A0092B-C50C-407E-A947-70E740481C1C}">
-                <a14:useLocalDpi xmlns:a14="http://schemas.microsoft.com/office/drawing/2010/main" val="0"/>
-              </a:ext>
-            </a:extLst>
-          </a:blip>
-          <a:stretch>
-            <a:fillRect/>
-          </a:stretch>
-        </p:blipFill>
-        <p:spPr>
-          <a:xfrm>
-            <a:off x="561076" y="1562755"/>
-            <a:ext cx="8668004" cy="4875752"/>
-          </a:xfrm>
-          <a:prstGeom prst="rect">
-            <a:avLst/>
-          </a:prstGeom>
-        </p:spPr>
-      </p:pic>
-    </p:spTree>
-    <p:extLst>
-      <p:ext uri="{BB962C8B-B14F-4D97-AF65-F5344CB8AC3E}">
-        <p14:creationId xmlns:p14="http://schemas.microsoft.com/office/powerpoint/2010/main" val="376957943"/>
-      </p:ext>
-    </p:extLst>
-  </p:cSld>
-  <p:clrMapOvr>
-    <a:masterClrMapping/>
-  </p:clrMapOvr>
-</p:sld>
-</file>
-
-<file path=ppt/slides/slide7.xml><?xml version="1.0" encoding="utf-8"?>
-<p:sld xmlns:a="http://schemas.openxmlformats.org/drawingml/2006/main" xmlns:r="http://schemas.openxmlformats.org/officeDocument/2006/relationships" xmlns:p="http://schemas.openxmlformats.org/presentationml/2006/main">
-  <p:cSld>
-    <p:spTree>
-      <p:nvGrpSpPr>
-        <p:cNvPr id="1" name=""/>
-        <p:cNvGrpSpPr/>
-        <p:nvPr/>
-      </p:nvGrpSpPr>
-      <p:grpSpPr>
-        <a:xfrm>
-          <a:off x="0" y="0"/>
-          <a:ext cx="0" cy="0"/>
-          <a:chOff x="0" y="0"/>
-          <a:chExt cx="0" cy="0"/>
-        </a:xfrm>
-      </p:grpSpPr>
-      <p:sp>
-        <p:nvSpPr>
-          <p:cNvPr id="5" name="Título 1">
-            <a:extLst>
-              <a:ext uri="{FF2B5EF4-FFF2-40B4-BE49-F238E27FC236}">
-                <a16:creationId xmlns:a16="http://schemas.microsoft.com/office/drawing/2014/main" id="{6C4B9538-2635-456B-B5BC-5D473578CE1D}"/>
-              </a:ext>
-            </a:extLst>
-          </p:cNvPr>
-          <p:cNvSpPr>
-            <a:spLocks noGrp="1"/>
-          </p:cNvSpPr>
-          <p:nvPr>
-            <p:ph type="title"/>
-          </p:nvPr>
-        </p:nvSpPr>
-        <p:spPr>
-          <a:xfrm>
-            <a:off x="677334" y="609600"/>
-            <a:ext cx="8596668" cy="1320800"/>
-          </a:xfrm>
-        </p:spPr>
-        <p:txBody>
-          <a:bodyPr/>
-          <a:lstStyle/>
-          <a:p>
-            <a:r>
-              <a:rPr lang="es-ES" dirty="0"/>
-              <a:t>IA pablo</a:t>
-            </a:r>
-          </a:p>
-        </p:txBody>
-      </p:sp>
-      <p:pic>
-        <p:nvPicPr>
-          <p:cNvPr id="8" name="Imagen 7">
-            <a:extLst>
-              <a:ext uri="{FF2B5EF4-FFF2-40B4-BE49-F238E27FC236}">
-                <a16:creationId xmlns:a16="http://schemas.microsoft.com/office/drawing/2014/main" id="{8B9EC349-B548-4990-A16E-2333A6472F7C}"/>
-              </a:ext>
-            </a:extLst>
-          </p:cNvPr>
-          <p:cNvPicPr>
-            <a:picLocks noChangeAspect="1"/>
-          </p:cNvPicPr>
-          <p:nvPr/>
-        </p:nvPicPr>
-        <p:blipFill>
-          <a:blip r:embed="rId2"/>
-          <a:stretch>
-            <a:fillRect/>
-          </a:stretch>
-        </p:blipFill>
-        <p:spPr>
-          <a:xfrm>
-            <a:off x="596930" y="1680132"/>
-            <a:ext cx="8677072" cy="3497735"/>
-          </a:xfrm>
-          <a:prstGeom prst="rect">
-            <a:avLst/>
-          </a:prstGeom>
-        </p:spPr>
-      </p:pic>
-    </p:spTree>
-    <p:extLst>
-      <p:ext uri="{BB962C8B-B14F-4D97-AF65-F5344CB8AC3E}">
-        <p14:creationId xmlns:p14="http://schemas.microsoft.com/office/powerpoint/2010/main" val="4048137880"/>
-      </p:ext>
-    </p:extLst>
-  </p:cSld>
-  <p:clrMapOvr>
-    <a:masterClrMapping/>
-  </p:clrMapOvr>
-</p:sld>
-</file>
-
-<file path=ppt/slides/slide8.xml><?xml version="1.0" encoding="utf-8"?>
+<file path=ppt/slides/slide10.xml><?xml version="1.0" encoding="utf-8"?>
 <p:sld xmlns:a="http://schemas.openxmlformats.org/drawingml/2006/main" xmlns:r="http://schemas.openxmlformats.org/officeDocument/2006/relationships" xmlns:p="http://schemas.openxmlformats.org/presentationml/2006/main">
   <p:cSld>
     <p:spTree>
@@ -7514,7 +6684,7 @@
 </p:sld>
 </file>
 
-<file path=ppt/slides/slide9.xml><?xml version="1.0" encoding="utf-8"?>
+<file path=ppt/slides/slide11.xml><?xml version="1.0" encoding="utf-8"?>
 <p:sld xmlns:a="http://schemas.openxmlformats.org/drawingml/2006/main" xmlns:r="http://schemas.openxmlformats.org/officeDocument/2006/relationships" xmlns:p="http://schemas.openxmlformats.org/presentationml/2006/main">
   <p:cSld>
     <p:spTree>
@@ -7622,6 +6792,1714 @@
     <p:extLst>
       <p:ext uri="{BB962C8B-B14F-4D97-AF65-F5344CB8AC3E}">
         <p14:creationId xmlns:p14="http://schemas.microsoft.com/office/powerpoint/2010/main" val="1726678341"/>
+      </p:ext>
+    </p:extLst>
+  </p:cSld>
+  <p:clrMapOvr>
+    <a:masterClrMapping/>
+  </p:clrMapOvr>
+</p:sld>
+</file>
+
+<file path=ppt/slides/slide2.xml><?xml version="1.0" encoding="utf-8"?>
+<p:sld xmlns:a="http://schemas.openxmlformats.org/drawingml/2006/main" xmlns:r="http://schemas.openxmlformats.org/officeDocument/2006/relationships" xmlns:p="http://schemas.openxmlformats.org/presentationml/2006/main">
+  <p:cSld>
+    <p:spTree>
+      <p:nvGrpSpPr>
+        <p:cNvPr id="1" name=""/>
+        <p:cNvGrpSpPr/>
+        <p:nvPr/>
+      </p:nvGrpSpPr>
+      <p:grpSpPr>
+        <a:xfrm>
+          <a:off x="0" y="0"/>
+          <a:ext cx="0" cy="0"/>
+          <a:chOff x="0" y="0"/>
+          <a:chExt cx="0" cy="0"/>
+        </a:xfrm>
+      </p:grpSpPr>
+      <p:sp>
+        <p:nvSpPr>
+          <p:cNvPr id="3" name="Título 1">
+            <a:extLst>
+              <a:ext uri="{FF2B5EF4-FFF2-40B4-BE49-F238E27FC236}">
+                <a16:creationId xmlns:a16="http://schemas.microsoft.com/office/drawing/2014/main" id="{171ABAC4-777D-4435-8FC8-0F1CBCA8AEE1}"/>
+              </a:ext>
+            </a:extLst>
+          </p:cNvPr>
+          <p:cNvSpPr>
+            <a:spLocks noGrp="1"/>
+          </p:cNvSpPr>
+          <p:nvPr>
+            <p:ph type="title"/>
+          </p:nvPr>
+        </p:nvSpPr>
+        <p:spPr>
+          <a:xfrm>
+            <a:off x="356823" y="298516"/>
+            <a:ext cx="8596668" cy="1320800"/>
+          </a:xfrm>
+        </p:spPr>
+        <p:txBody>
+          <a:bodyPr/>
+          <a:lstStyle/>
+          <a:p>
+            <a:r>
+              <a:rPr lang="es-ES" dirty="0"/>
+              <a:t>Índice</a:t>
+            </a:r>
+          </a:p>
+        </p:txBody>
+      </p:sp>
+      <p:sp>
+        <p:nvSpPr>
+          <p:cNvPr id="5" name="CuadroTexto 4">
+            <a:extLst>
+              <a:ext uri="{FF2B5EF4-FFF2-40B4-BE49-F238E27FC236}">
+                <a16:creationId xmlns:a16="http://schemas.microsoft.com/office/drawing/2014/main" id="{81878317-F171-41D2-A64D-28F28E46A60A}"/>
+              </a:ext>
+            </a:extLst>
+          </p:cNvPr>
+          <p:cNvSpPr txBox="1"/>
+          <p:nvPr/>
+        </p:nvSpPr>
+        <p:spPr>
+          <a:xfrm>
+            <a:off x="1282045" y="1489434"/>
+            <a:ext cx="8927184" cy="5663089"/>
+          </a:xfrm>
+          <a:prstGeom prst="rect">
+            <a:avLst/>
+          </a:prstGeom>
+          <a:noFill/>
+        </p:spPr>
+        <p:txBody>
+          <a:bodyPr wrap="square" rtlCol="0">
+            <a:spAutoFit/>
+          </a:bodyPr>
+          <a:lstStyle/>
+          <a:p>
+            <a:pPr marL="285750" indent="-285750">
+              <a:buFont typeface="Arial" panose="020B0604020202020204" pitchFamily="34" charset="0"/>
+              <a:buChar char="•"/>
+            </a:pPr>
+            <a:r>
+              <a:rPr lang="es-ES" sz="2800" b="1" dirty="0">
+                <a:solidFill>
+                  <a:schemeClr val="accent1"/>
+                </a:solidFill>
+              </a:rPr>
+              <a:t>Escenario</a:t>
+            </a:r>
+          </a:p>
+          <a:p>
+            <a:pPr marL="742950" lvl="1" indent="-285750">
+              <a:buFont typeface="Arial" panose="020B0604020202020204" pitchFamily="34" charset="0"/>
+              <a:buChar char="•"/>
+            </a:pPr>
+            <a:r>
+              <a:rPr lang="es-ES" sz="2800" dirty="0">
+                <a:solidFill>
+                  <a:schemeClr val="accent1"/>
+                </a:solidFill>
+              </a:rPr>
+              <a:t>Escenario a bajo nivel</a:t>
+            </a:r>
+          </a:p>
+          <a:p>
+            <a:pPr marL="742950" lvl="1" indent="-285750">
+              <a:buFont typeface="Arial" panose="020B0604020202020204" pitchFamily="34" charset="0"/>
+              <a:buChar char="•"/>
+            </a:pPr>
+            <a:endParaRPr lang="es-ES" sz="2800" dirty="0">
+              <a:solidFill>
+                <a:schemeClr val="accent1"/>
+              </a:solidFill>
+            </a:endParaRPr>
+          </a:p>
+          <a:p>
+            <a:pPr marL="285750" indent="-285750">
+              <a:buFont typeface="Arial" panose="020B0604020202020204" pitchFamily="34" charset="0"/>
+              <a:buChar char="•"/>
+            </a:pPr>
+            <a:r>
+              <a:rPr lang="es-ES" sz="2800" b="1" dirty="0">
+                <a:solidFill>
+                  <a:schemeClr val="accent1"/>
+                </a:solidFill>
+              </a:rPr>
+              <a:t>Herramientas y colectores de datos</a:t>
+            </a:r>
+          </a:p>
+          <a:p>
+            <a:pPr marL="285750" indent="-285750">
+              <a:buFont typeface="Arial" panose="020B0604020202020204" pitchFamily="34" charset="0"/>
+              <a:buChar char="•"/>
+            </a:pPr>
+            <a:endParaRPr lang="es-ES" sz="2800" b="1" dirty="0">
+              <a:solidFill>
+                <a:schemeClr val="accent1"/>
+              </a:solidFill>
+            </a:endParaRPr>
+          </a:p>
+          <a:p>
+            <a:pPr marL="285750" indent="-285750">
+              <a:buFont typeface="Arial" panose="020B0604020202020204" pitchFamily="34" charset="0"/>
+              <a:buChar char="•"/>
+            </a:pPr>
+            <a:r>
+              <a:rPr lang="es-ES" sz="2800" b="1" dirty="0">
+                <a:solidFill>
+                  <a:schemeClr val="accent1"/>
+                </a:solidFill>
+              </a:rPr>
+              <a:t>Ataque</a:t>
+            </a:r>
+          </a:p>
+          <a:p>
+            <a:pPr marL="285750" indent="-285750">
+              <a:buFont typeface="Arial" panose="020B0604020202020204" pitchFamily="34" charset="0"/>
+              <a:buChar char="•"/>
+            </a:pPr>
+            <a:endParaRPr lang="es-ES" sz="2800" b="1" dirty="0">
+              <a:solidFill>
+                <a:schemeClr val="accent1"/>
+              </a:solidFill>
+            </a:endParaRPr>
+          </a:p>
+          <a:p>
+            <a:pPr marL="285750" indent="-285750">
+              <a:buFont typeface="Arial" panose="020B0604020202020204" pitchFamily="34" charset="0"/>
+              <a:buChar char="•"/>
+            </a:pPr>
+            <a:r>
+              <a:rPr lang="es-ES" sz="2800" b="1" dirty="0">
+                <a:solidFill>
+                  <a:schemeClr val="accent1"/>
+                </a:solidFill>
+              </a:rPr>
+              <a:t>IA esquema</a:t>
+            </a:r>
+          </a:p>
+          <a:p>
+            <a:pPr marL="742950" lvl="1" indent="-285750">
+              <a:buFont typeface="Arial" panose="020B0604020202020204" pitchFamily="34" charset="0"/>
+              <a:buChar char="•"/>
+            </a:pPr>
+            <a:r>
+              <a:rPr lang="es-ES" sz="2800" dirty="0">
+                <a:solidFill>
+                  <a:schemeClr val="accent1"/>
+                </a:solidFill>
+              </a:rPr>
+              <a:t>IA clasificación</a:t>
+            </a:r>
+          </a:p>
+          <a:p>
+            <a:pPr marL="742950" lvl="1" indent="-285750">
+              <a:buFont typeface="Arial" panose="020B0604020202020204" pitchFamily="34" charset="0"/>
+              <a:buChar char="•"/>
+            </a:pPr>
+            <a:endParaRPr lang="es-ES" sz="2800" dirty="0">
+              <a:solidFill>
+                <a:schemeClr val="accent1"/>
+              </a:solidFill>
+            </a:endParaRPr>
+          </a:p>
+          <a:p>
+            <a:pPr marL="285750" indent="-285750">
+              <a:buFont typeface="Arial" panose="020B0604020202020204" pitchFamily="34" charset="0"/>
+              <a:buChar char="•"/>
+            </a:pPr>
+            <a:r>
+              <a:rPr lang="es-ES" sz="2800" b="1" dirty="0" err="1">
+                <a:solidFill>
+                  <a:schemeClr val="accent1"/>
+                </a:solidFill>
+              </a:rPr>
+              <a:t>Grafana</a:t>
+            </a:r>
+            <a:endParaRPr lang="es-ES" sz="2800" b="1" dirty="0">
+              <a:solidFill>
+                <a:schemeClr val="accent1"/>
+              </a:solidFill>
+            </a:endParaRPr>
+          </a:p>
+          <a:p>
+            <a:pPr marL="285750" indent="-285750">
+              <a:buFont typeface="Arial" panose="020B0604020202020204" pitchFamily="34" charset="0"/>
+              <a:buChar char="•"/>
+            </a:pPr>
+            <a:endParaRPr lang="es-ES" dirty="0"/>
+          </a:p>
+          <a:p>
+            <a:pPr lvl="1"/>
+            <a:endParaRPr lang="es-ES" dirty="0"/>
+          </a:p>
+          <a:p>
+            <a:pPr lvl="1"/>
+            <a:endParaRPr lang="es-ES" dirty="0"/>
+          </a:p>
+        </p:txBody>
+      </p:sp>
+    </p:spTree>
+    <p:extLst>
+      <p:ext uri="{BB962C8B-B14F-4D97-AF65-F5344CB8AC3E}">
+        <p14:creationId xmlns:p14="http://schemas.microsoft.com/office/powerpoint/2010/main" val="4231031645"/>
+      </p:ext>
+    </p:extLst>
+  </p:cSld>
+  <p:clrMapOvr>
+    <a:masterClrMapping/>
+  </p:clrMapOvr>
+</p:sld>
+</file>
+
+<file path=ppt/slides/slide3.xml><?xml version="1.0" encoding="utf-8"?>
+<p:sld xmlns:a="http://schemas.openxmlformats.org/drawingml/2006/main" xmlns:r="http://schemas.openxmlformats.org/officeDocument/2006/relationships" xmlns:p="http://schemas.openxmlformats.org/presentationml/2006/main">
+  <p:cSld>
+    <p:bg>
+      <p:bgPr>
+        <a:solidFill>
+          <a:schemeClr val="bg1"/>
+        </a:solidFill>
+        <a:effectLst/>
+      </p:bgPr>
+    </p:bg>
+    <p:spTree>
+      <p:nvGrpSpPr>
+        <p:cNvPr id="1" name=""/>
+        <p:cNvGrpSpPr/>
+        <p:nvPr/>
+      </p:nvGrpSpPr>
+      <p:grpSpPr>
+        <a:xfrm>
+          <a:off x="0" y="0"/>
+          <a:ext cx="0" cy="0"/>
+          <a:chOff x="0" y="0"/>
+          <a:chExt cx="0" cy="0"/>
+        </a:xfrm>
+      </p:grpSpPr>
+      <p:sp useBgFill="1">
+        <p:nvSpPr>
+          <p:cNvPr id="8" name="Rectangle 7">
+            <a:extLst>
+              <a:ext uri="{FF2B5EF4-FFF2-40B4-BE49-F238E27FC236}">
+                <a16:creationId xmlns:a16="http://schemas.microsoft.com/office/drawing/2014/main" id="{603AE127-802C-459A-A612-DB85B67F0DC0}"/>
+              </a:ext>
+              <a:ext uri="{C183D7F6-B498-43B3-948B-1728B52AA6E4}">
+                <adec:decorative xmlns:adec="http://schemas.microsoft.com/office/drawing/2017/decorative" val="1"/>
+              </a:ext>
+            </a:extLst>
+          </p:cNvPr>
+          <p:cNvSpPr>
+            <a:spLocks noGrp="1" noRot="1" noChangeAspect="1" noMove="1" noResize="1" noEditPoints="1" noAdjustHandles="1" noChangeArrowheads="1" noChangeShapeType="1" noTextEdit="1"/>
+          </p:cNvSpPr>
+          <p:nvPr>
+            <p:extLst>
+              <p:ext uri="{386F3935-93C4-4BCD-93E2-E3B085C9AB24}">
+                <p16:designElem xmlns:p16="http://schemas.microsoft.com/office/powerpoint/2015/main" val="1"/>
+              </p:ext>
+            </p:extLst>
+          </p:nvPr>
+        </p:nvSpPr>
+        <p:spPr>
+          <a:xfrm>
+            <a:off x="0" y="0"/>
+            <a:ext cx="12192000" cy="6858000"/>
+          </a:xfrm>
+          <a:prstGeom prst="rect">
+            <a:avLst/>
+          </a:prstGeom>
+          <a:ln>
+            <a:noFill/>
+          </a:ln>
+        </p:spPr>
+        <p:style>
+          <a:lnRef idx="2">
+            <a:schemeClr val="accent1">
+              <a:shade val="50000"/>
+            </a:schemeClr>
+          </a:lnRef>
+          <a:fillRef idx="1">
+            <a:schemeClr val="accent1"/>
+          </a:fillRef>
+          <a:effectRef idx="0">
+            <a:schemeClr val="accent1"/>
+          </a:effectRef>
+          <a:fontRef idx="minor">
+            <a:schemeClr val="lt1"/>
+          </a:fontRef>
+        </p:style>
+        <p:txBody>
+          <a:bodyPr rtlCol="0" anchor="ctr"/>
+          <a:lstStyle/>
+          <a:p>
+            <a:pPr algn="ctr"/>
+            <a:endParaRPr lang="en-US"/>
+          </a:p>
+        </p:txBody>
+      </p:sp>
+      <p:sp>
+        <p:nvSpPr>
+          <p:cNvPr id="10" name="Isosceles Triangle 9">
+            <a:extLst>
+              <a:ext uri="{FF2B5EF4-FFF2-40B4-BE49-F238E27FC236}">
+                <a16:creationId xmlns:a16="http://schemas.microsoft.com/office/drawing/2014/main" id="{9323D83D-50D6-4040-A58B-FCEA340F886A}"/>
+              </a:ext>
+              <a:ext uri="{C183D7F6-B498-43B3-948B-1728B52AA6E4}">
+                <adec:decorative xmlns:adec="http://schemas.microsoft.com/office/drawing/2017/decorative" val="1"/>
+              </a:ext>
+            </a:extLst>
+          </p:cNvPr>
+          <p:cNvSpPr>
+            <a:spLocks noGrp="1" noRot="1" noChangeAspect="1" noMove="1" noResize="1" noEditPoints="1" noAdjustHandles="1" noChangeArrowheads="1" noChangeShapeType="1" noTextEdit="1"/>
+          </p:cNvSpPr>
+          <p:nvPr>
+            <p:extLst>
+              <p:ext uri="{386F3935-93C4-4BCD-93E2-E3B085C9AB24}">
+                <p16:designElem xmlns:p16="http://schemas.microsoft.com/office/powerpoint/2015/main" val="1"/>
+              </p:ext>
+            </p:extLst>
+          </p:nvPr>
+        </p:nvSpPr>
+        <p:spPr>
+          <a:xfrm>
+            <a:off x="0" y="4013200"/>
+            <a:ext cx="448733" cy="2844800"/>
+          </a:xfrm>
+          <a:prstGeom prst="triangle">
+            <a:avLst>
+              <a:gd name="adj" fmla="val 0"/>
+            </a:avLst>
+          </a:prstGeom>
+          <a:solidFill>
+            <a:schemeClr val="accent1"/>
+          </a:solidFill>
+          <a:ln>
+            <a:noFill/>
+          </a:ln>
+          <a:effectLst/>
+        </p:spPr>
+        <p:style>
+          <a:lnRef idx="1">
+            <a:schemeClr val="accent1"/>
+          </a:lnRef>
+          <a:fillRef idx="3">
+            <a:schemeClr val="accent1"/>
+          </a:fillRef>
+          <a:effectRef idx="2">
+            <a:schemeClr val="accent1"/>
+          </a:effectRef>
+          <a:fontRef idx="minor">
+            <a:schemeClr val="lt1"/>
+          </a:fontRef>
+        </p:style>
+      </p:sp>
+      <p:cxnSp>
+        <p:nvCxnSpPr>
+          <p:cNvPr id="12" name="Straight Connector 11">
+            <a:extLst>
+              <a:ext uri="{FF2B5EF4-FFF2-40B4-BE49-F238E27FC236}">
+                <a16:creationId xmlns:a16="http://schemas.microsoft.com/office/drawing/2014/main" id="{1A1FE6BB-DFB2-4080-9B5E-076EF5DDE67B}"/>
+              </a:ext>
+              <a:ext uri="{C183D7F6-B498-43B3-948B-1728B52AA6E4}">
+                <adec:decorative xmlns:adec="http://schemas.microsoft.com/office/drawing/2017/decorative" val="1"/>
+              </a:ext>
+            </a:extLst>
+          </p:cNvPr>
+          <p:cNvCxnSpPr>
+            <a:cxnSpLocks noGrp="1" noRot="1" noChangeAspect="1" noMove="1" noResize="1" noEditPoints="1" noAdjustHandles="1" noChangeArrowheads="1" noChangeShapeType="1"/>
+          </p:cNvCxnSpPr>
+          <p:nvPr>
+            <p:extLst>
+              <p:ext uri="{386F3935-93C4-4BCD-93E2-E3B085C9AB24}">
+                <p16:designElem xmlns:p16="http://schemas.microsoft.com/office/powerpoint/2015/main" val="1"/>
+              </p:ext>
+            </p:extLst>
+          </p:nvPr>
+        </p:nvCxnSpPr>
+        <p:spPr>
+          <a:xfrm>
+            <a:off x="4656670" y="1442595"/>
+            <a:ext cx="0" cy="3937000"/>
+          </a:xfrm>
+          <a:prstGeom prst="line">
+            <a:avLst/>
+          </a:prstGeom>
+        </p:spPr>
+        <p:style>
+          <a:lnRef idx="1">
+            <a:schemeClr val="accent1"/>
+          </a:lnRef>
+          <a:fillRef idx="0">
+            <a:schemeClr val="accent1"/>
+          </a:fillRef>
+          <a:effectRef idx="0">
+            <a:schemeClr val="accent1"/>
+          </a:effectRef>
+          <a:fontRef idx="minor">
+            <a:schemeClr val="tx1"/>
+          </a:fontRef>
+        </p:style>
+      </p:cxnSp>
+      <p:sp>
+        <p:nvSpPr>
+          <p:cNvPr id="14" name="Isosceles Triangle 13">
+            <a:extLst>
+              <a:ext uri="{FF2B5EF4-FFF2-40B4-BE49-F238E27FC236}">
+                <a16:creationId xmlns:a16="http://schemas.microsoft.com/office/drawing/2014/main" id="{F10FD715-4DCE-4779-B634-EC78315EA213}"/>
+              </a:ext>
+              <a:ext uri="{C183D7F6-B498-43B3-948B-1728B52AA6E4}">
+                <adec:decorative xmlns:adec="http://schemas.microsoft.com/office/drawing/2017/decorative" val="1"/>
+              </a:ext>
+            </a:extLst>
+          </p:cNvPr>
+          <p:cNvSpPr>
+            <a:spLocks noGrp="1" noRot="1" noChangeAspect="1" noMove="1" noResize="1" noEditPoints="1" noAdjustHandles="1" noChangeArrowheads="1" noChangeShapeType="1" noTextEdit="1"/>
+          </p:cNvSpPr>
+          <p:nvPr>
+            <p:extLst>
+              <p:ext uri="{386F3935-93C4-4BCD-93E2-E3B085C9AB24}">
+                <p16:designElem xmlns:p16="http://schemas.microsoft.com/office/powerpoint/2015/main" val="1"/>
+              </p:ext>
+            </p:extLst>
+          </p:nvPr>
+        </p:nvSpPr>
+        <p:spPr>
+          <a:xfrm rot="10800000" flipH="1">
+            <a:off x="11364139" y="0"/>
+            <a:ext cx="842596" cy="4616289"/>
+          </a:xfrm>
+          <a:prstGeom prst="triangle">
+            <a:avLst>
+              <a:gd name="adj" fmla="val 100000"/>
+            </a:avLst>
+          </a:prstGeom>
+          <a:solidFill>
+            <a:schemeClr val="accent2"/>
+          </a:solidFill>
+          <a:ln>
+            <a:noFill/>
+          </a:ln>
+          <a:effectLst/>
+        </p:spPr>
+        <p:style>
+          <a:lnRef idx="1">
+            <a:schemeClr val="accent1"/>
+          </a:lnRef>
+          <a:fillRef idx="3">
+            <a:schemeClr val="accent1"/>
+          </a:fillRef>
+          <a:effectRef idx="2">
+            <a:schemeClr val="accent1"/>
+          </a:effectRef>
+          <a:fontRef idx="minor">
+            <a:schemeClr val="lt1"/>
+          </a:fontRef>
+        </p:style>
+      </p:sp>
+      <p:pic>
+        <p:nvPicPr>
+          <p:cNvPr id="1026" name="Picture 2" descr="Resultado de imagen de logo github">
+            <a:extLst>
+              <a:ext uri="{FF2B5EF4-FFF2-40B4-BE49-F238E27FC236}">
+                <a16:creationId xmlns:a16="http://schemas.microsoft.com/office/drawing/2014/main" id="{09F8CD81-2D19-4E5A-9C8C-27E46A3DD16C}"/>
+              </a:ext>
+            </a:extLst>
+          </p:cNvPr>
+          <p:cNvPicPr>
+            <a:picLocks noChangeAspect="1" noChangeArrowheads="1"/>
+          </p:cNvPicPr>
+          <p:nvPr/>
+        </p:nvPicPr>
+        <p:blipFill>
+          <a:blip r:embed="rId2">
+            <a:extLst>
+              <a:ext uri="{28A0092B-C50C-407E-A947-70E740481C1C}">
+                <a14:useLocalDpi xmlns:a14="http://schemas.microsoft.com/office/drawing/2010/main" val="0"/>
+              </a:ext>
+            </a:extLst>
+          </a:blip>
+          <a:srcRect/>
+          <a:stretch>
+            <a:fillRect/>
+          </a:stretch>
+        </p:blipFill>
+        <p:spPr bwMode="auto">
+          <a:xfrm>
+            <a:off x="1159749" y="1442595"/>
+            <a:ext cx="2785904" cy="2722105"/>
+          </a:xfrm>
+          <a:prstGeom prst="rect">
+            <a:avLst/>
+          </a:prstGeom>
+          <a:noFill/>
+          <a:extLst>
+            <a:ext uri="{909E8E84-426E-40DD-AFC4-6F175D3DCCD1}">
+              <a14:hiddenFill xmlns:a14="http://schemas.microsoft.com/office/drawing/2010/main">
+                <a:solidFill>
+                  <a:srgbClr val="FFFFFF"/>
+                </a:solidFill>
+              </a14:hiddenFill>
+            </a:ext>
+          </a:extLst>
+        </p:spPr>
+      </p:pic>
+      <p:sp>
+        <p:nvSpPr>
+          <p:cNvPr id="4" name="CuadroTexto 3">
+            <a:extLst>
+              <a:ext uri="{FF2B5EF4-FFF2-40B4-BE49-F238E27FC236}">
+                <a16:creationId xmlns:a16="http://schemas.microsoft.com/office/drawing/2014/main" id="{E79C7F6A-C2A8-447A-9007-1C760851536D}"/>
+              </a:ext>
+            </a:extLst>
+          </p:cNvPr>
+          <p:cNvSpPr txBox="1"/>
+          <p:nvPr/>
+        </p:nvSpPr>
+        <p:spPr>
+          <a:xfrm>
+            <a:off x="817369" y="4706924"/>
+            <a:ext cx="3326859" cy="584775"/>
+          </a:xfrm>
+          <a:prstGeom prst="rect">
+            <a:avLst/>
+          </a:prstGeom>
+          <a:noFill/>
+        </p:spPr>
+        <p:txBody>
+          <a:bodyPr wrap="square" rtlCol="0">
+            <a:spAutoFit/>
+          </a:bodyPr>
+          <a:lstStyle/>
+          <a:p>
+            <a:pPr algn="ctr"/>
+            <a:r>
+              <a:rPr lang="es-ES" sz="3200" dirty="0"/>
+              <a:t>GAR-Project</a:t>
+            </a:r>
+          </a:p>
+        </p:txBody>
+      </p:sp>
+      <p:pic>
+        <p:nvPicPr>
+          <p:cNvPr id="6" name="Imagen 5" descr="Imagen que contiene dibujo, cuarto&#10;&#10;Descripción generada automáticamente">
+            <a:extLst>
+              <a:ext uri="{FF2B5EF4-FFF2-40B4-BE49-F238E27FC236}">
+                <a16:creationId xmlns:a16="http://schemas.microsoft.com/office/drawing/2014/main" id="{880A37B5-8DA6-4E76-A750-F58875659781}"/>
+              </a:ext>
+            </a:extLst>
+          </p:cNvPr>
+          <p:cNvPicPr>
+            <a:picLocks noChangeAspect="1"/>
+          </p:cNvPicPr>
+          <p:nvPr/>
+        </p:nvPicPr>
+        <p:blipFill>
+          <a:blip r:embed="rId3">
+            <a:extLst>
+              <a:ext uri="{28A0092B-C50C-407E-A947-70E740481C1C}">
+                <a14:useLocalDpi xmlns:a14="http://schemas.microsoft.com/office/drawing/2010/main" val="0"/>
+              </a:ext>
+            </a:extLst>
+          </a:blip>
+          <a:stretch>
+            <a:fillRect/>
+          </a:stretch>
+        </p:blipFill>
+        <p:spPr>
+          <a:xfrm>
+            <a:off x="6725910" y="1442595"/>
+            <a:ext cx="3040878" cy="3040878"/>
+          </a:xfrm>
+          <a:prstGeom prst="rect">
+            <a:avLst/>
+          </a:prstGeom>
+        </p:spPr>
+      </p:pic>
+      <p:sp>
+        <p:nvSpPr>
+          <p:cNvPr id="7" name="CuadroTexto 6">
+            <a:extLst>
+              <a:ext uri="{FF2B5EF4-FFF2-40B4-BE49-F238E27FC236}">
+                <a16:creationId xmlns:a16="http://schemas.microsoft.com/office/drawing/2014/main" id="{851B8267-3586-4720-B1B2-02968C8E5F14}"/>
+              </a:ext>
+            </a:extLst>
+          </p:cNvPr>
+          <p:cNvSpPr txBox="1"/>
+          <p:nvPr/>
+        </p:nvSpPr>
+        <p:spPr>
+          <a:xfrm>
+            <a:off x="5804054" y="4757297"/>
+            <a:ext cx="5875504" cy="523220"/>
+          </a:xfrm>
+          <a:prstGeom prst="rect">
+            <a:avLst/>
+          </a:prstGeom>
+          <a:noFill/>
+        </p:spPr>
+        <p:txBody>
+          <a:bodyPr wrap="square" rtlCol="0">
+            <a:spAutoFit/>
+          </a:bodyPr>
+          <a:lstStyle/>
+          <a:p>
+            <a:r>
+              <a:rPr lang="es-ES" sz="2800" dirty="0">
+                <a:solidFill>
+                  <a:srgbClr val="00B0F0"/>
+                </a:solidFill>
+              </a:rPr>
+              <a:t>gar-project.github.io/</a:t>
+            </a:r>
+            <a:r>
+              <a:rPr lang="es-ES" sz="2800" dirty="0" err="1">
+                <a:solidFill>
+                  <a:srgbClr val="00B0F0"/>
+                </a:solidFill>
+              </a:rPr>
+              <a:t>project</a:t>
+            </a:r>
+            <a:endParaRPr lang="es-ES" sz="2800" dirty="0">
+              <a:solidFill>
+                <a:srgbClr val="00B0F0"/>
+              </a:solidFill>
+            </a:endParaRPr>
+          </a:p>
+        </p:txBody>
+      </p:sp>
+    </p:spTree>
+    <p:extLst>
+      <p:ext uri="{BB962C8B-B14F-4D97-AF65-F5344CB8AC3E}">
+        <p14:creationId xmlns:p14="http://schemas.microsoft.com/office/powerpoint/2010/main" val="969076673"/>
+      </p:ext>
+    </p:extLst>
+  </p:cSld>
+  <p:clrMapOvr>
+    <a:masterClrMapping/>
+  </p:clrMapOvr>
+</p:sld>
+</file>
+
+<file path=ppt/slides/slide4.xml><?xml version="1.0" encoding="utf-8"?>
+<p:sld xmlns:a="http://schemas.openxmlformats.org/drawingml/2006/main" xmlns:r="http://schemas.openxmlformats.org/officeDocument/2006/relationships" xmlns:p="http://schemas.openxmlformats.org/presentationml/2006/main">
+  <p:cSld>
+    <p:bg>
+      <p:bgPr>
+        <a:solidFill>
+          <a:schemeClr val="bg1"/>
+        </a:solidFill>
+        <a:effectLst/>
+      </p:bgPr>
+    </p:bg>
+    <p:spTree>
+      <p:nvGrpSpPr>
+        <p:cNvPr id="1" name=""/>
+        <p:cNvGrpSpPr/>
+        <p:nvPr/>
+      </p:nvGrpSpPr>
+      <p:grpSpPr>
+        <a:xfrm>
+          <a:off x="0" y="0"/>
+          <a:ext cx="0" cy="0"/>
+          <a:chOff x="0" y="0"/>
+          <a:chExt cx="0" cy="0"/>
+        </a:xfrm>
+      </p:grpSpPr>
+      <p:sp useBgFill="1">
+        <p:nvSpPr>
+          <p:cNvPr id="8" name="Rectangle 7">
+            <a:extLst>
+              <a:ext uri="{FF2B5EF4-FFF2-40B4-BE49-F238E27FC236}">
+                <a16:creationId xmlns:a16="http://schemas.microsoft.com/office/drawing/2014/main" id="{E80B86A7-A1EC-475B-9166-88902B033A38}"/>
+              </a:ext>
+              <a:ext uri="{C183D7F6-B498-43B3-948B-1728B52AA6E4}">
+                <adec:decorative xmlns:adec="http://schemas.microsoft.com/office/drawing/2017/decorative" val="1"/>
+              </a:ext>
+            </a:extLst>
+          </p:cNvPr>
+          <p:cNvSpPr>
+            <a:spLocks noGrp="1" noRot="1" noChangeAspect="1" noMove="1" noResize="1" noEditPoints="1" noAdjustHandles="1" noChangeArrowheads="1" noChangeShapeType="1" noTextEdit="1"/>
+          </p:cNvSpPr>
+          <p:nvPr>
+            <p:extLst>
+              <p:ext uri="{386F3935-93C4-4BCD-93E2-E3B085C9AB24}">
+                <p16:designElem xmlns:p16="http://schemas.microsoft.com/office/powerpoint/2015/main" val="1"/>
+              </p:ext>
+            </p:extLst>
+          </p:nvPr>
+        </p:nvSpPr>
+        <p:spPr>
+          <a:xfrm>
+            <a:off x="0" y="0"/>
+            <a:ext cx="12192000" cy="6858000"/>
+          </a:xfrm>
+          <a:prstGeom prst="rect">
+            <a:avLst/>
+          </a:prstGeom>
+          <a:ln>
+            <a:noFill/>
+          </a:ln>
+        </p:spPr>
+        <p:style>
+          <a:lnRef idx="2">
+            <a:schemeClr val="accent1">
+              <a:shade val="50000"/>
+            </a:schemeClr>
+          </a:lnRef>
+          <a:fillRef idx="1">
+            <a:schemeClr val="accent1"/>
+          </a:fillRef>
+          <a:effectRef idx="0">
+            <a:schemeClr val="accent1"/>
+          </a:effectRef>
+          <a:fontRef idx="minor">
+            <a:schemeClr val="lt1"/>
+          </a:fontRef>
+        </p:style>
+        <p:txBody>
+          <a:bodyPr rtlCol="0" anchor="ctr"/>
+          <a:lstStyle/>
+          <a:p>
+            <a:pPr algn="ctr"/>
+            <a:endParaRPr lang="en-US"/>
+          </a:p>
+        </p:txBody>
+      </p:sp>
+      <p:sp>
+        <p:nvSpPr>
+          <p:cNvPr id="2" name="Título 1">
+            <a:extLst>
+              <a:ext uri="{FF2B5EF4-FFF2-40B4-BE49-F238E27FC236}">
+                <a16:creationId xmlns:a16="http://schemas.microsoft.com/office/drawing/2014/main" id="{69D6D429-53F8-4F90-9207-C045A19A46E7}"/>
+              </a:ext>
+            </a:extLst>
+          </p:cNvPr>
+          <p:cNvSpPr>
+            <a:spLocks noGrp="1"/>
+          </p:cNvSpPr>
+          <p:nvPr>
+            <p:ph type="title"/>
+          </p:nvPr>
+        </p:nvSpPr>
+        <p:spPr>
+          <a:xfrm>
+            <a:off x="1294592" y="243787"/>
+            <a:ext cx="8596668" cy="1320800"/>
+          </a:xfrm>
+        </p:spPr>
+        <p:txBody>
+          <a:bodyPr>
+            <a:normAutofit/>
+          </a:bodyPr>
+          <a:lstStyle/>
+          <a:p>
+            <a:r>
+              <a:rPr lang="es-ES" dirty="0"/>
+              <a:t>Escenario</a:t>
+            </a:r>
+          </a:p>
+        </p:txBody>
+      </p:sp>
+      <p:sp>
+        <p:nvSpPr>
+          <p:cNvPr id="10" name="Isosceles Triangle 9">
+            <a:extLst>
+              <a:ext uri="{FF2B5EF4-FFF2-40B4-BE49-F238E27FC236}">
+                <a16:creationId xmlns:a16="http://schemas.microsoft.com/office/drawing/2014/main" id="{C2C29CB1-9F74-4879-A6AF-AEA67B6F1F4D}"/>
+              </a:ext>
+              <a:ext uri="{C183D7F6-B498-43B3-948B-1728B52AA6E4}">
+                <adec:decorative xmlns:adec="http://schemas.microsoft.com/office/drawing/2017/decorative" val="1"/>
+              </a:ext>
+            </a:extLst>
+          </p:cNvPr>
+          <p:cNvSpPr>
+            <a:spLocks noGrp="1" noRot="1" noChangeAspect="1" noMove="1" noResize="1" noEditPoints="1" noAdjustHandles="1" noChangeArrowheads="1" noChangeShapeType="1" noTextEdit="1"/>
+          </p:cNvSpPr>
+          <p:nvPr>
+            <p:extLst>
+              <p:ext uri="{386F3935-93C4-4BCD-93E2-E3B085C9AB24}">
+                <p16:designElem xmlns:p16="http://schemas.microsoft.com/office/powerpoint/2015/main" val="1"/>
+              </p:ext>
+            </p:extLst>
+          </p:nvPr>
+        </p:nvSpPr>
+        <p:spPr>
+          <a:xfrm rot="10800000">
+            <a:off x="0" y="0"/>
+            <a:ext cx="842596" cy="5666154"/>
+          </a:xfrm>
+          <a:prstGeom prst="triangle">
+            <a:avLst>
+              <a:gd name="adj" fmla="val 100000"/>
+            </a:avLst>
+          </a:prstGeom>
+          <a:solidFill>
+            <a:schemeClr val="accent1">
+              <a:alpha val="85000"/>
+            </a:schemeClr>
+          </a:solidFill>
+          <a:ln>
+            <a:noFill/>
+          </a:ln>
+          <a:effectLst/>
+        </p:spPr>
+        <p:style>
+          <a:lnRef idx="1">
+            <a:schemeClr val="accent1"/>
+          </a:lnRef>
+          <a:fillRef idx="3">
+            <a:schemeClr val="accent1"/>
+          </a:fillRef>
+          <a:effectRef idx="2">
+            <a:schemeClr val="accent1"/>
+          </a:effectRef>
+          <a:fontRef idx="minor">
+            <a:schemeClr val="lt1"/>
+          </a:fontRef>
+        </p:style>
+      </p:sp>
+      <p:sp>
+        <p:nvSpPr>
+          <p:cNvPr id="12" name="Isosceles Triangle 11">
+            <a:extLst>
+              <a:ext uri="{FF2B5EF4-FFF2-40B4-BE49-F238E27FC236}">
+                <a16:creationId xmlns:a16="http://schemas.microsoft.com/office/drawing/2014/main" id="{7E2C7115-5336-410C-AD71-0F0952A2E5A7}"/>
+              </a:ext>
+              <a:ext uri="{C183D7F6-B498-43B3-948B-1728B52AA6E4}">
+                <adec:decorative xmlns:adec="http://schemas.microsoft.com/office/drawing/2017/decorative" val="1"/>
+              </a:ext>
+            </a:extLst>
+          </p:cNvPr>
+          <p:cNvSpPr>
+            <a:spLocks noGrp="1" noRot="1" noChangeAspect="1" noMove="1" noResize="1" noEditPoints="1" noAdjustHandles="1" noChangeArrowheads="1" noChangeShapeType="1" noTextEdit="1"/>
+          </p:cNvSpPr>
+          <p:nvPr>
+            <p:extLst>
+              <p:ext uri="{386F3935-93C4-4BCD-93E2-E3B085C9AB24}">
+                <p16:designElem xmlns:p16="http://schemas.microsoft.com/office/powerpoint/2015/main" val="1"/>
+              </p:ext>
+            </p:extLst>
+          </p:nvPr>
+        </p:nvSpPr>
+        <p:spPr>
+          <a:xfrm flipH="1">
+            <a:off x="11743267" y="4013200"/>
+            <a:ext cx="448733" cy="2844800"/>
+          </a:xfrm>
+          <a:prstGeom prst="triangle">
+            <a:avLst>
+              <a:gd name="adj" fmla="val 0"/>
+            </a:avLst>
+          </a:prstGeom>
+          <a:solidFill>
+            <a:schemeClr val="accent1">
+              <a:alpha val="85000"/>
+            </a:schemeClr>
+          </a:solidFill>
+          <a:ln>
+            <a:noFill/>
+          </a:ln>
+          <a:effectLst/>
+        </p:spPr>
+        <p:style>
+          <a:lnRef idx="1">
+            <a:schemeClr val="accent1"/>
+          </a:lnRef>
+          <a:fillRef idx="3">
+            <a:schemeClr val="accent1"/>
+          </a:fillRef>
+          <a:effectRef idx="2">
+            <a:schemeClr val="accent1"/>
+          </a:effectRef>
+          <a:fontRef idx="minor">
+            <a:schemeClr val="lt1"/>
+          </a:fontRef>
+        </p:style>
+      </p:sp>
+      <p:pic>
+        <p:nvPicPr>
+          <p:cNvPr id="7" name="Imagen 6" descr="Imagen que contiene mapa&#10;&#10;Descripción generada automáticamente">
+            <a:extLst>
+              <a:ext uri="{FF2B5EF4-FFF2-40B4-BE49-F238E27FC236}">
+                <a16:creationId xmlns:a16="http://schemas.microsoft.com/office/drawing/2014/main" id="{A21FFFAB-E1C0-4B1F-8C5F-B7C5B31D805A}"/>
+              </a:ext>
+            </a:extLst>
+          </p:cNvPr>
+          <p:cNvPicPr>
+            <a:picLocks noChangeAspect="1"/>
+          </p:cNvPicPr>
+          <p:nvPr/>
+        </p:nvPicPr>
+        <p:blipFill>
+          <a:blip r:embed="rId2">
+            <a:extLst>
+              <a:ext uri="{28A0092B-C50C-407E-A947-70E740481C1C}">
+                <a14:useLocalDpi xmlns:a14="http://schemas.microsoft.com/office/drawing/2010/main" val="0"/>
+              </a:ext>
+            </a:extLst>
+          </a:blip>
+          <a:stretch>
+            <a:fillRect/>
+          </a:stretch>
+        </p:blipFill>
+        <p:spPr>
+          <a:xfrm>
+            <a:off x="729752" y="820971"/>
+            <a:ext cx="10732495" cy="6037029"/>
+          </a:xfrm>
+          <a:prstGeom prst="rect">
+            <a:avLst/>
+          </a:prstGeom>
+        </p:spPr>
+      </p:pic>
+    </p:spTree>
+    <p:extLst>
+      <p:ext uri="{BB962C8B-B14F-4D97-AF65-F5344CB8AC3E}">
+        <p14:creationId xmlns:p14="http://schemas.microsoft.com/office/powerpoint/2010/main" val="968579793"/>
+      </p:ext>
+    </p:extLst>
+  </p:cSld>
+  <p:clrMapOvr>
+    <a:masterClrMapping/>
+  </p:clrMapOvr>
+</p:sld>
+</file>
+
+<file path=ppt/slides/slide5.xml><?xml version="1.0" encoding="utf-8"?>
+<p:sld xmlns:a="http://schemas.openxmlformats.org/drawingml/2006/main" xmlns:r="http://schemas.openxmlformats.org/officeDocument/2006/relationships" xmlns:p="http://schemas.openxmlformats.org/presentationml/2006/main">
+  <p:cSld>
+    <p:bg>
+      <p:bgPr>
+        <a:solidFill>
+          <a:schemeClr val="bg1"/>
+        </a:solidFill>
+        <a:effectLst/>
+      </p:bgPr>
+    </p:bg>
+    <p:spTree>
+      <p:nvGrpSpPr>
+        <p:cNvPr id="1" name=""/>
+        <p:cNvGrpSpPr/>
+        <p:nvPr/>
+      </p:nvGrpSpPr>
+      <p:grpSpPr>
+        <a:xfrm>
+          <a:off x="0" y="0"/>
+          <a:ext cx="0" cy="0"/>
+          <a:chOff x="0" y="0"/>
+          <a:chExt cx="0" cy="0"/>
+        </a:xfrm>
+      </p:grpSpPr>
+      <p:sp useBgFill="1">
+        <p:nvSpPr>
+          <p:cNvPr id="8" name="Rectangle 7">
+            <a:extLst>
+              <a:ext uri="{FF2B5EF4-FFF2-40B4-BE49-F238E27FC236}">
+                <a16:creationId xmlns:a16="http://schemas.microsoft.com/office/drawing/2014/main" id="{E80B86A7-A1EC-475B-9166-88902B033A38}"/>
+              </a:ext>
+              <a:ext uri="{C183D7F6-B498-43B3-948B-1728B52AA6E4}">
+                <adec:decorative xmlns:adec="http://schemas.microsoft.com/office/drawing/2017/decorative" val="1"/>
+              </a:ext>
+            </a:extLst>
+          </p:cNvPr>
+          <p:cNvSpPr>
+            <a:spLocks noGrp="1" noRot="1" noChangeAspect="1" noMove="1" noResize="1" noEditPoints="1" noAdjustHandles="1" noChangeArrowheads="1" noChangeShapeType="1" noTextEdit="1"/>
+          </p:cNvSpPr>
+          <p:nvPr>
+            <p:extLst>
+              <p:ext uri="{386F3935-93C4-4BCD-93E2-E3B085C9AB24}">
+                <p16:designElem xmlns:p16="http://schemas.microsoft.com/office/powerpoint/2015/main" val="1"/>
+              </p:ext>
+            </p:extLst>
+          </p:nvPr>
+        </p:nvSpPr>
+        <p:spPr>
+          <a:xfrm>
+            <a:off x="0" y="0"/>
+            <a:ext cx="12192000" cy="6858000"/>
+          </a:xfrm>
+          <a:prstGeom prst="rect">
+            <a:avLst/>
+          </a:prstGeom>
+          <a:ln>
+            <a:noFill/>
+          </a:ln>
+        </p:spPr>
+        <p:style>
+          <a:lnRef idx="2">
+            <a:schemeClr val="accent1">
+              <a:shade val="50000"/>
+            </a:schemeClr>
+          </a:lnRef>
+          <a:fillRef idx="1">
+            <a:schemeClr val="accent1"/>
+          </a:fillRef>
+          <a:effectRef idx="0">
+            <a:schemeClr val="accent1"/>
+          </a:effectRef>
+          <a:fontRef idx="minor">
+            <a:schemeClr val="lt1"/>
+          </a:fontRef>
+        </p:style>
+        <p:txBody>
+          <a:bodyPr rtlCol="0" anchor="ctr"/>
+          <a:lstStyle/>
+          <a:p>
+            <a:pPr algn="ctr"/>
+            <a:endParaRPr lang="en-US"/>
+          </a:p>
+        </p:txBody>
+      </p:sp>
+      <p:sp>
+        <p:nvSpPr>
+          <p:cNvPr id="2" name="Título 1">
+            <a:extLst>
+              <a:ext uri="{FF2B5EF4-FFF2-40B4-BE49-F238E27FC236}">
+                <a16:creationId xmlns:a16="http://schemas.microsoft.com/office/drawing/2014/main" id="{75A40027-F063-42FB-A8C8-B7EBC3F2189D}"/>
+              </a:ext>
+            </a:extLst>
+          </p:cNvPr>
+          <p:cNvSpPr>
+            <a:spLocks noGrp="1"/>
+          </p:cNvSpPr>
+          <p:nvPr>
+            <p:ph type="title"/>
+          </p:nvPr>
+        </p:nvSpPr>
+        <p:spPr>
+          <a:xfrm>
+            <a:off x="1314047" y="179260"/>
+            <a:ext cx="8596668" cy="1320800"/>
+          </a:xfrm>
+        </p:spPr>
+        <p:txBody>
+          <a:bodyPr>
+            <a:normAutofit/>
+          </a:bodyPr>
+          <a:lstStyle/>
+          <a:p>
+            <a:r>
+              <a:rPr lang="es-ES" dirty="0"/>
+              <a:t>Escenario a bajo nivel</a:t>
+            </a:r>
+          </a:p>
+        </p:txBody>
+      </p:sp>
+      <p:sp>
+        <p:nvSpPr>
+          <p:cNvPr id="10" name="Isosceles Triangle 9">
+            <a:extLst>
+              <a:ext uri="{FF2B5EF4-FFF2-40B4-BE49-F238E27FC236}">
+                <a16:creationId xmlns:a16="http://schemas.microsoft.com/office/drawing/2014/main" id="{C2C29CB1-9F74-4879-A6AF-AEA67B6F1F4D}"/>
+              </a:ext>
+              <a:ext uri="{C183D7F6-B498-43B3-948B-1728B52AA6E4}">
+                <adec:decorative xmlns:adec="http://schemas.microsoft.com/office/drawing/2017/decorative" val="1"/>
+              </a:ext>
+            </a:extLst>
+          </p:cNvPr>
+          <p:cNvSpPr>
+            <a:spLocks noGrp="1" noRot="1" noChangeAspect="1" noMove="1" noResize="1" noEditPoints="1" noAdjustHandles="1" noChangeArrowheads="1" noChangeShapeType="1" noTextEdit="1"/>
+          </p:cNvSpPr>
+          <p:nvPr>
+            <p:extLst>
+              <p:ext uri="{386F3935-93C4-4BCD-93E2-E3B085C9AB24}">
+                <p16:designElem xmlns:p16="http://schemas.microsoft.com/office/powerpoint/2015/main" val="1"/>
+              </p:ext>
+            </p:extLst>
+          </p:nvPr>
+        </p:nvSpPr>
+        <p:spPr>
+          <a:xfrm rot="10800000">
+            <a:off x="0" y="0"/>
+            <a:ext cx="842596" cy="5666154"/>
+          </a:xfrm>
+          <a:prstGeom prst="triangle">
+            <a:avLst>
+              <a:gd name="adj" fmla="val 100000"/>
+            </a:avLst>
+          </a:prstGeom>
+          <a:solidFill>
+            <a:schemeClr val="accent1">
+              <a:alpha val="85000"/>
+            </a:schemeClr>
+          </a:solidFill>
+          <a:ln>
+            <a:noFill/>
+          </a:ln>
+          <a:effectLst/>
+        </p:spPr>
+        <p:style>
+          <a:lnRef idx="1">
+            <a:schemeClr val="accent1"/>
+          </a:lnRef>
+          <a:fillRef idx="3">
+            <a:schemeClr val="accent1"/>
+          </a:fillRef>
+          <a:effectRef idx="2">
+            <a:schemeClr val="accent1"/>
+          </a:effectRef>
+          <a:fontRef idx="minor">
+            <a:schemeClr val="lt1"/>
+          </a:fontRef>
+        </p:style>
+      </p:sp>
+      <p:sp>
+        <p:nvSpPr>
+          <p:cNvPr id="12" name="Isosceles Triangle 11">
+            <a:extLst>
+              <a:ext uri="{FF2B5EF4-FFF2-40B4-BE49-F238E27FC236}">
+                <a16:creationId xmlns:a16="http://schemas.microsoft.com/office/drawing/2014/main" id="{7E2C7115-5336-410C-AD71-0F0952A2E5A7}"/>
+              </a:ext>
+              <a:ext uri="{C183D7F6-B498-43B3-948B-1728B52AA6E4}">
+                <adec:decorative xmlns:adec="http://schemas.microsoft.com/office/drawing/2017/decorative" val="1"/>
+              </a:ext>
+            </a:extLst>
+          </p:cNvPr>
+          <p:cNvSpPr>
+            <a:spLocks noGrp="1" noRot="1" noChangeAspect="1" noMove="1" noResize="1" noEditPoints="1" noAdjustHandles="1" noChangeArrowheads="1" noChangeShapeType="1" noTextEdit="1"/>
+          </p:cNvSpPr>
+          <p:nvPr>
+            <p:extLst>
+              <p:ext uri="{386F3935-93C4-4BCD-93E2-E3B085C9AB24}">
+                <p16:designElem xmlns:p16="http://schemas.microsoft.com/office/powerpoint/2015/main" val="1"/>
+              </p:ext>
+            </p:extLst>
+          </p:nvPr>
+        </p:nvSpPr>
+        <p:spPr>
+          <a:xfrm flipH="1">
+            <a:off x="11743267" y="4013200"/>
+            <a:ext cx="448733" cy="2844800"/>
+          </a:xfrm>
+          <a:prstGeom prst="triangle">
+            <a:avLst>
+              <a:gd name="adj" fmla="val 0"/>
+            </a:avLst>
+          </a:prstGeom>
+          <a:solidFill>
+            <a:schemeClr val="accent1">
+              <a:alpha val="85000"/>
+            </a:schemeClr>
+          </a:solidFill>
+          <a:ln>
+            <a:noFill/>
+          </a:ln>
+          <a:effectLst/>
+        </p:spPr>
+        <p:style>
+          <a:lnRef idx="1">
+            <a:schemeClr val="accent1"/>
+          </a:lnRef>
+          <a:fillRef idx="3">
+            <a:schemeClr val="accent1"/>
+          </a:fillRef>
+          <a:effectRef idx="2">
+            <a:schemeClr val="accent1"/>
+          </a:effectRef>
+          <a:fontRef idx="minor">
+            <a:schemeClr val="lt1"/>
+          </a:fontRef>
+        </p:style>
+      </p:sp>
+      <p:pic>
+        <p:nvPicPr>
+          <p:cNvPr id="7" name="Imagen 6" descr="Imagen que contiene reloj&#10;&#10;Descripción generada automáticamente">
+            <a:extLst>
+              <a:ext uri="{FF2B5EF4-FFF2-40B4-BE49-F238E27FC236}">
+                <a16:creationId xmlns:a16="http://schemas.microsoft.com/office/drawing/2014/main" id="{42DCD22F-D2A2-4BD4-8A40-D931CAB99C16}"/>
+              </a:ext>
+            </a:extLst>
+          </p:cNvPr>
+          <p:cNvPicPr>
+            <a:picLocks noChangeAspect="1"/>
+          </p:cNvPicPr>
+          <p:nvPr/>
+        </p:nvPicPr>
+        <p:blipFill>
+          <a:blip r:embed="rId2">
+            <a:extLst>
+              <a:ext uri="{28A0092B-C50C-407E-A947-70E740481C1C}">
+                <a14:useLocalDpi xmlns:a14="http://schemas.microsoft.com/office/drawing/2010/main" val="0"/>
+              </a:ext>
+            </a:extLst>
+          </a:blip>
+          <a:stretch>
+            <a:fillRect/>
+          </a:stretch>
+        </p:blipFill>
+        <p:spPr>
+          <a:xfrm>
+            <a:off x="1314047" y="1203525"/>
+            <a:ext cx="9724767" cy="5470182"/>
+          </a:xfrm>
+          <a:prstGeom prst="rect">
+            <a:avLst/>
+          </a:prstGeom>
+        </p:spPr>
+      </p:pic>
+    </p:spTree>
+    <p:extLst>
+      <p:ext uri="{BB962C8B-B14F-4D97-AF65-F5344CB8AC3E}">
+        <p14:creationId xmlns:p14="http://schemas.microsoft.com/office/powerpoint/2010/main" val="900849747"/>
+      </p:ext>
+    </p:extLst>
+  </p:cSld>
+  <p:clrMapOvr>
+    <a:masterClrMapping/>
+  </p:clrMapOvr>
+</p:sld>
+</file>
+
+<file path=ppt/slides/slide6.xml><?xml version="1.0" encoding="utf-8"?>
+<p:sld xmlns:a="http://schemas.openxmlformats.org/drawingml/2006/main" xmlns:r="http://schemas.openxmlformats.org/officeDocument/2006/relationships" xmlns:p="http://schemas.openxmlformats.org/presentationml/2006/main">
+  <p:cSld>
+    <p:spTree>
+      <p:nvGrpSpPr>
+        <p:cNvPr id="1" name=""/>
+        <p:cNvGrpSpPr/>
+        <p:nvPr/>
+      </p:nvGrpSpPr>
+      <p:grpSpPr>
+        <a:xfrm>
+          <a:off x="0" y="0"/>
+          <a:ext cx="0" cy="0"/>
+          <a:chOff x="0" y="0"/>
+          <a:chExt cx="0" cy="0"/>
+        </a:xfrm>
+      </p:grpSpPr>
+      <p:sp>
+        <p:nvSpPr>
+          <p:cNvPr id="5" name="Título 1">
+            <a:extLst>
+              <a:ext uri="{FF2B5EF4-FFF2-40B4-BE49-F238E27FC236}">
+                <a16:creationId xmlns:a16="http://schemas.microsoft.com/office/drawing/2014/main" id="{D40E2DA4-1903-470E-9985-AED4319E0A68}"/>
+              </a:ext>
+            </a:extLst>
+          </p:cNvPr>
+          <p:cNvSpPr>
+            <a:spLocks noGrp="1"/>
+          </p:cNvSpPr>
+          <p:nvPr>
+            <p:ph type="title"/>
+          </p:nvPr>
+        </p:nvSpPr>
+        <p:spPr>
+          <a:xfrm>
+            <a:off x="677334" y="609600"/>
+            <a:ext cx="8596668" cy="1320800"/>
+          </a:xfrm>
+        </p:spPr>
+        <p:txBody>
+          <a:bodyPr/>
+          <a:lstStyle/>
+          <a:p>
+            <a:r>
+              <a:rPr lang="es-ES" dirty="0"/>
+              <a:t>Tools and Data </a:t>
+            </a:r>
+            <a:r>
+              <a:rPr lang="es-ES" dirty="0" err="1"/>
+              <a:t>colllector</a:t>
+            </a:r>
+            <a:r>
+              <a:rPr lang="es-ES" dirty="0"/>
+              <a:t> (Adri)</a:t>
+            </a:r>
+          </a:p>
+        </p:txBody>
+      </p:sp>
+      <p:pic>
+        <p:nvPicPr>
+          <p:cNvPr id="1026" name="Picture 2" descr="Resultado de imagen de influx logo">
+            <a:extLst>
+              <a:ext uri="{FF2B5EF4-FFF2-40B4-BE49-F238E27FC236}">
+                <a16:creationId xmlns:a16="http://schemas.microsoft.com/office/drawing/2014/main" id="{E8E72064-E5A8-4F92-AD0F-D21C4CEB52E5}"/>
+              </a:ext>
+            </a:extLst>
+          </p:cNvPr>
+          <p:cNvPicPr>
+            <a:picLocks noChangeAspect="1" noChangeArrowheads="1"/>
+          </p:cNvPicPr>
+          <p:nvPr/>
+        </p:nvPicPr>
+        <p:blipFill>
+          <a:blip r:embed="rId2">
+            <a:extLst>
+              <a:ext uri="{28A0092B-C50C-407E-A947-70E740481C1C}">
+                <a14:useLocalDpi xmlns:a14="http://schemas.microsoft.com/office/drawing/2010/main" val="0"/>
+              </a:ext>
+            </a:extLst>
+          </a:blip>
+          <a:srcRect/>
+          <a:stretch>
+            <a:fillRect/>
+          </a:stretch>
+        </p:blipFill>
+        <p:spPr bwMode="auto">
+          <a:xfrm>
+            <a:off x="424206" y="1515269"/>
+            <a:ext cx="5778038" cy="2151063"/>
+          </a:xfrm>
+          <a:prstGeom prst="rect">
+            <a:avLst/>
+          </a:prstGeom>
+          <a:noFill/>
+          <a:extLst>
+            <a:ext uri="{909E8E84-426E-40DD-AFC4-6F175D3DCCD1}">
+              <a14:hiddenFill xmlns:a14="http://schemas.microsoft.com/office/drawing/2010/main">
+                <a:solidFill>
+                  <a:srgbClr val="FFFFFF"/>
+                </a:solidFill>
+              </a14:hiddenFill>
+            </a:ext>
+          </a:extLst>
+        </p:spPr>
+      </p:pic>
+      <p:pic>
+        <p:nvPicPr>
+          <p:cNvPr id="1028" name="Picture 4" descr="Resultado de imagen de telegraf logo">
+            <a:extLst>
+              <a:ext uri="{FF2B5EF4-FFF2-40B4-BE49-F238E27FC236}">
+                <a16:creationId xmlns:a16="http://schemas.microsoft.com/office/drawing/2014/main" id="{46DC9435-287A-4E0E-904B-DC6735F5D67A}"/>
+              </a:ext>
+            </a:extLst>
+          </p:cNvPr>
+          <p:cNvPicPr>
+            <a:picLocks noChangeAspect="1" noChangeArrowheads="1"/>
+          </p:cNvPicPr>
+          <p:nvPr/>
+        </p:nvPicPr>
+        <p:blipFill>
+          <a:blip r:embed="rId3">
+            <a:extLst>
+              <a:ext uri="{28A0092B-C50C-407E-A947-70E740481C1C}">
+                <a14:useLocalDpi xmlns:a14="http://schemas.microsoft.com/office/drawing/2010/main" val="0"/>
+              </a:ext>
+            </a:extLst>
+          </a:blip>
+          <a:srcRect/>
+          <a:stretch>
+            <a:fillRect/>
+          </a:stretch>
+        </p:blipFill>
+        <p:spPr bwMode="auto">
+          <a:xfrm>
+            <a:off x="561031" y="3251200"/>
+            <a:ext cx="5852933" cy="3048795"/>
+          </a:xfrm>
+          <a:prstGeom prst="rect">
+            <a:avLst/>
+          </a:prstGeom>
+          <a:noFill/>
+          <a:extLst>
+            <a:ext uri="{909E8E84-426E-40DD-AFC4-6F175D3DCCD1}">
+              <a14:hiddenFill xmlns:a14="http://schemas.microsoft.com/office/drawing/2010/main">
+                <a:solidFill>
+                  <a:srgbClr val="FFFFFF"/>
+                </a:solidFill>
+              </a14:hiddenFill>
+            </a:ext>
+          </a:extLst>
+        </p:spPr>
+      </p:pic>
+    </p:spTree>
+    <p:extLst>
+      <p:ext uri="{BB962C8B-B14F-4D97-AF65-F5344CB8AC3E}">
+        <p14:creationId xmlns:p14="http://schemas.microsoft.com/office/powerpoint/2010/main" val="70665490"/>
+      </p:ext>
+    </p:extLst>
+  </p:cSld>
+  <p:clrMapOvr>
+    <a:masterClrMapping/>
+  </p:clrMapOvr>
+</p:sld>
+</file>
+
+<file path=ppt/slides/slide7.xml><?xml version="1.0" encoding="utf-8"?>
+<p:sld xmlns:a="http://schemas.openxmlformats.org/drawingml/2006/main" xmlns:r="http://schemas.openxmlformats.org/officeDocument/2006/relationships" xmlns:p="http://schemas.openxmlformats.org/presentationml/2006/main">
+  <p:cSld>
+    <p:spTree>
+      <p:nvGrpSpPr>
+        <p:cNvPr id="1" name=""/>
+        <p:cNvGrpSpPr/>
+        <p:nvPr/>
+      </p:nvGrpSpPr>
+      <p:grpSpPr>
+        <a:xfrm>
+          <a:off x="0" y="0"/>
+          <a:ext cx="0" cy="0"/>
+          <a:chOff x="0" y="0"/>
+          <a:chExt cx="0" cy="0"/>
+        </a:xfrm>
+      </p:grpSpPr>
+      <p:sp>
+        <p:nvSpPr>
+          <p:cNvPr id="4" name="Título 1">
+            <a:extLst>
+              <a:ext uri="{FF2B5EF4-FFF2-40B4-BE49-F238E27FC236}">
+                <a16:creationId xmlns:a16="http://schemas.microsoft.com/office/drawing/2014/main" id="{8B59FBAE-4EB0-4E77-8269-E9BB6CA77F16}"/>
+              </a:ext>
+            </a:extLst>
+          </p:cNvPr>
+          <p:cNvSpPr>
+            <a:spLocks noGrp="1"/>
+          </p:cNvSpPr>
+          <p:nvPr>
+            <p:ph type="title"/>
+          </p:nvPr>
+        </p:nvSpPr>
+        <p:spPr>
+          <a:xfrm>
+            <a:off x="451620" y="166540"/>
+            <a:ext cx="8596312" cy="1320800"/>
+          </a:xfrm>
+        </p:spPr>
+        <p:txBody>
+          <a:bodyPr/>
+          <a:lstStyle/>
+          <a:p>
+            <a:r>
+              <a:rPr lang="es-ES" dirty="0"/>
+              <a:t>Ataque</a:t>
+            </a:r>
+          </a:p>
+        </p:txBody>
+      </p:sp>
+      <p:pic>
+        <p:nvPicPr>
+          <p:cNvPr id="6" name="Imagen 5" descr="Imagen que contiene texto, mapa&#10;&#10;Descripción generada automáticamente">
+            <a:extLst>
+              <a:ext uri="{FF2B5EF4-FFF2-40B4-BE49-F238E27FC236}">
+                <a16:creationId xmlns:a16="http://schemas.microsoft.com/office/drawing/2014/main" id="{95B5641E-CD70-47FF-9B8B-69ECCC472EF2}"/>
+              </a:ext>
+            </a:extLst>
+          </p:cNvPr>
+          <p:cNvPicPr>
+            <a:picLocks noChangeAspect="1"/>
+          </p:cNvPicPr>
+          <p:nvPr/>
+        </p:nvPicPr>
+        <p:blipFill>
+          <a:blip r:embed="rId2">
+            <a:extLst>
+              <a:ext uri="{28A0092B-C50C-407E-A947-70E740481C1C}">
+                <a14:useLocalDpi xmlns:a14="http://schemas.microsoft.com/office/drawing/2010/main" val="0"/>
+              </a:ext>
+            </a:extLst>
+          </a:blip>
+          <a:stretch>
+            <a:fillRect/>
+          </a:stretch>
+        </p:blipFill>
+        <p:spPr>
+          <a:xfrm>
+            <a:off x="351479" y="856124"/>
+            <a:ext cx="9078989" cy="5106932"/>
+          </a:xfrm>
+          <a:prstGeom prst="rect">
+            <a:avLst/>
+          </a:prstGeom>
+        </p:spPr>
+      </p:pic>
+    </p:spTree>
+    <p:extLst>
+      <p:ext uri="{BB962C8B-B14F-4D97-AF65-F5344CB8AC3E}">
+        <p14:creationId xmlns:p14="http://schemas.microsoft.com/office/powerpoint/2010/main" val="1758988156"/>
+      </p:ext>
+    </p:extLst>
+  </p:cSld>
+  <p:clrMapOvr>
+    <a:masterClrMapping/>
+  </p:clrMapOvr>
+</p:sld>
+</file>
+
+<file path=ppt/slides/slide8.xml><?xml version="1.0" encoding="utf-8"?>
+<p:sld xmlns:a="http://schemas.openxmlformats.org/drawingml/2006/main" xmlns:r="http://schemas.openxmlformats.org/officeDocument/2006/relationships" xmlns:p="http://schemas.openxmlformats.org/presentationml/2006/main">
+  <p:cSld>
+    <p:spTree>
+      <p:nvGrpSpPr>
+        <p:cNvPr id="1" name=""/>
+        <p:cNvGrpSpPr/>
+        <p:nvPr/>
+      </p:nvGrpSpPr>
+      <p:grpSpPr>
+        <a:xfrm>
+          <a:off x="0" y="0"/>
+          <a:ext cx="0" cy="0"/>
+          <a:chOff x="0" y="0"/>
+          <a:chExt cx="0" cy="0"/>
+        </a:xfrm>
+      </p:grpSpPr>
+      <p:sp>
+        <p:nvSpPr>
+          <p:cNvPr id="6" name="Título 1">
+            <a:extLst>
+              <a:ext uri="{FF2B5EF4-FFF2-40B4-BE49-F238E27FC236}">
+                <a16:creationId xmlns:a16="http://schemas.microsoft.com/office/drawing/2014/main" id="{F3A9DDDA-11C9-4C6E-B01A-A31612296D13}"/>
+              </a:ext>
+            </a:extLst>
+          </p:cNvPr>
+          <p:cNvSpPr>
+            <a:spLocks noGrp="1"/>
+          </p:cNvSpPr>
+          <p:nvPr>
+            <p:ph type="title"/>
+          </p:nvPr>
+        </p:nvSpPr>
+        <p:spPr>
+          <a:xfrm>
+            <a:off x="300262" y="241955"/>
+            <a:ext cx="8596668" cy="1320800"/>
+          </a:xfrm>
+        </p:spPr>
+        <p:txBody>
+          <a:bodyPr/>
+          <a:lstStyle/>
+          <a:p>
+            <a:r>
+              <a:rPr lang="es-ES" dirty="0"/>
+              <a:t>Ataque (II)</a:t>
+            </a:r>
+          </a:p>
+        </p:txBody>
+      </p:sp>
+      <p:pic>
+        <p:nvPicPr>
+          <p:cNvPr id="8" name="Imagen 7" descr="Imagen que contiene texto, mapa&#10;&#10;Descripción generada automáticamente">
+            <a:extLst>
+              <a:ext uri="{FF2B5EF4-FFF2-40B4-BE49-F238E27FC236}">
+                <a16:creationId xmlns:a16="http://schemas.microsoft.com/office/drawing/2014/main" id="{2F419E06-A6EA-4F0C-9372-5A3CC6C11CE2}"/>
+              </a:ext>
+            </a:extLst>
+          </p:cNvPr>
+          <p:cNvPicPr>
+            <a:picLocks noChangeAspect="1"/>
+          </p:cNvPicPr>
+          <p:nvPr/>
+        </p:nvPicPr>
+        <p:blipFill>
+          <a:blip r:embed="rId2">
+            <a:extLst>
+              <a:ext uri="{28A0092B-C50C-407E-A947-70E740481C1C}">
+                <a14:useLocalDpi xmlns:a14="http://schemas.microsoft.com/office/drawing/2010/main" val="0"/>
+              </a:ext>
+            </a:extLst>
+          </a:blip>
+          <a:stretch>
+            <a:fillRect/>
+          </a:stretch>
+        </p:blipFill>
+        <p:spPr>
+          <a:xfrm>
+            <a:off x="483253" y="1270625"/>
+            <a:ext cx="8825785" cy="4964504"/>
+          </a:xfrm>
+          <a:prstGeom prst="rect">
+            <a:avLst/>
+          </a:prstGeom>
+        </p:spPr>
+      </p:pic>
+    </p:spTree>
+    <p:extLst>
+      <p:ext uri="{BB962C8B-B14F-4D97-AF65-F5344CB8AC3E}">
+        <p14:creationId xmlns:p14="http://schemas.microsoft.com/office/powerpoint/2010/main" val="376957943"/>
+      </p:ext>
+    </p:extLst>
+  </p:cSld>
+  <p:clrMapOvr>
+    <a:masterClrMapping/>
+  </p:clrMapOvr>
+</p:sld>
+</file>
+
+<file path=ppt/slides/slide9.xml><?xml version="1.0" encoding="utf-8"?>
+<p:sld xmlns:a="http://schemas.openxmlformats.org/drawingml/2006/main" xmlns:r="http://schemas.openxmlformats.org/officeDocument/2006/relationships" xmlns:p="http://schemas.openxmlformats.org/presentationml/2006/main">
+  <p:cSld>
+    <p:spTree>
+      <p:nvGrpSpPr>
+        <p:cNvPr id="1" name=""/>
+        <p:cNvGrpSpPr/>
+        <p:nvPr/>
+      </p:nvGrpSpPr>
+      <p:grpSpPr>
+        <a:xfrm>
+          <a:off x="0" y="0"/>
+          <a:ext cx="0" cy="0"/>
+          <a:chOff x="0" y="0"/>
+          <a:chExt cx="0" cy="0"/>
+        </a:xfrm>
+      </p:grpSpPr>
+      <p:sp>
+        <p:nvSpPr>
+          <p:cNvPr id="5" name="Título 1">
+            <a:extLst>
+              <a:ext uri="{FF2B5EF4-FFF2-40B4-BE49-F238E27FC236}">
+                <a16:creationId xmlns:a16="http://schemas.microsoft.com/office/drawing/2014/main" id="{6C4B9538-2635-456B-B5BC-5D473578CE1D}"/>
+              </a:ext>
+            </a:extLst>
+          </p:cNvPr>
+          <p:cNvSpPr>
+            <a:spLocks noGrp="1"/>
+          </p:cNvSpPr>
+          <p:nvPr>
+            <p:ph type="title"/>
+          </p:nvPr>
+        </p:nvSpPr>
+        <p:spPr>
+          <a:xfrm>
+            <a:off x="677334" y="609600"/>
+            <a:ext cx="8596668" cy="1320800"/>
+          </a:xfrm>
+        </p:spPr>
+        <p:txBody>
+          <a:bodyPr/>
+          <a:lstStyle/>
+          <a:p>
+            <a:r>
+              <a:rPr lang="es-ES" dirty="0"/>
+              <a:t>IA pablo</a:t>
+            </a:r>
+          </a:p>
+        </p:txBody>
+      </p:sp>
+      <p:pic>
+        <p:nvPicPr>
+          <p:cNvPr id="8" name="Imagen 7">
+            <a:extLst>
+              <a:ext uri="{FF2B5EF4-FFF2-40B4-BE49-F238E27FC236}">
+                <a16:creationId xmlns:a16="http://schemas.microsoft.com/office/drawing/2014/main" id="{8B9EC349-B548-4990-A16E-2333A6472F7C}"/>
+              </a:ext>
+            </a:extLst>
+          </p:cNvPr>
+          <p:cNvPicPr>
+            <a:picLocks noChangeAspect="1"/>
+          </p:cNvPicPr>
+          <p:nvPr/>
+        </p:nvPicPr>
+        <p:blipFill>
+          <a:blip r:embed="rId2"/>
+          <a:stretch>
+            <a:fillRect/>
+          </a:stretch>
+        </p:blipFill>
+        <p:spPr>
+          <a:xfrm>
+            <a:off x="596930" y="1680132"/>
+            <a:ext cx="8677072" cy="3497735"/>
+          </a:xfrm>
+          <a:prstGeom prst="rect">
+            <a:avLst/>
+          </a:prstGeom>
+        </p:spPr>
+      </p:pic>
+    </p:spTree>
+    <p:extLst>
+      <p:ext uri="{BB962C8B-B14F-4D97-AF65-F5344CB8AC3E}">
+        <p14:creationId xmlns:p14="http://schemas.microsoft.com/office/powerpoint/2010/main" val="4048137880"/>
       </p:ext>
     </p:extLst>
   </p:cSld>

--- a/ppt/Presentacion.pptx
+++ b/ppt/Presentacion.pptx
@@ -13,8 +13,8 @@
     <p:sldId id="261" r:id="rId7"/>
     <p:sldId id="266" r:id="rId8"/>
     <p:sldId id="259" r:id="rId9"/>
-    <p:sldId id="260" r:id="rId10"/>
-    <p:sldId id="264" r:id="rId11"/>
+    <p:sldId id="264" r:id="rId10"/>
+    <p:sldId id="260" r:id="rId11"/>
     <p:sldId id="263" r:id="rId12"/>
   </p:sldIdLst>
   <p:sldSz cx="12192000" cy="6858000"/>
@@ -6604,10 +6604,10 @@
       </p:grpSpPr>
       <p:sp>
         <p:nvSpPr>
-          <p:cNvPr id="4" name="Título 1">
+          <p:cNvPr id="5" name="Título 1">
             <a:extLst>
               <a:ext uri="{FF2B5EF4-FFF2-40B4-BE49-F238E27FC236}">
-                <a16:creationId xmlns:a16="http://schemas.microsoft.com/office/drawing/2014/main" id="{8E1B3523-AB7D-43F4-8C89-E16841E04B02}"/>
+                <a16:creationId xmlns:a16="http://schemas.microsoft.com/office/drawing/2014/main" id="{6C4B9538-2635-456B-B5BC-5D473578CE1D}"/>
               </a:ext>
             </a:extLst>
           </p:cNvPr>
@@ -6620,7 +6620,7 @@
         </p:nvSpPr>
         <p:spPr>
           <a:xfrm>
-            <a:off x="422811" y="306417"/>
+            <a:off x="677334" y="609600"/>
             <a:ext cx="8596668" cy="1320800"/>
           </a:xfrm>
         </p:spPr>
@@ -6630,17 +6630,17 @@
           <a:p>
             <a:r>
               <a:rPr lang="es-ES" dirty="0"/>
-              <a:t>IA (II) pablo</a:t>
+              <a:t>¡A por esos datos!</a:t>
             </a:r>
           </a:p>
         </p:txBody>
       </p:sp>
       <p:pic>
         <p:nvPicPr>
-          <p:cNvPr id="5" name="Imagen 4" descr="Imagen que contiene captura de pantalla&#10;&#10;Descripción generada automáticamente">
+          <p:cNvPr id="3" name="Imagen 2" descr="Captura de pantalla de un celular&#10;&#10;Descripción generada automáticamente">
             <a:extLst>
               <a:ext uri="{FF2B5EF4-FFF2-40B4-BE49-F238E27FC236}">
-                <a16:creationId xmlns:a16="http://schemas.microsoft.com/office/drawing/2014/main" id="{C862FE98-61E3-4B26-806E-AA91372B61FF}"/>
+                <a16:creationId xmlns:a16="http://schemas.microsoft.com/office/drawing/2014/main" id="{FCE31C99-1C05-4D57-887E-40886AF1245A}"/>
               </a:ext>
             </a:extLst>
           </p:cNvPr>
@@ -6663,8 +6663,8 @@
         </p:blipFill>
         <p:spPr>
           <a:xfrm>
-            <a:off x="606382" y="1102936"/>
-            <a:ext cx="7101464" cy="5326098"/>
+            <a:off x="677334" y="1562230"/>
+            <a:ext cx="8952409" cy="3575377"/>
           </a:xfrm>
           <a:prstGeom prst="rect">
             <a:avLst/>
@@ -6674,7 +6674,7 @@
     </p:spTree>
     <p:extLst>
       <p:ext uri="{BB962C8B-B14F-4D97-AF65-F5344CB8AC3E}">
-        <p14:creationId xmlns:p14="http://schemas.microsoft.com/office/powerpoint/2010/main" val="2715864286"/>
+        <p14:creationId xmlns:p14="http://schemas.microsoft.com/office/powerpoint/2010/main" val="4048137880"/>
       </p:ext>
     </p:extLst>
   </p:cSld>
@@ -8435,10 +8435,10 @@
       </p:grpSpPr>
       <p:sp>
         <p:nvSpPr>
-          <p:cNvPr id="5" name="Título 1">
+          <p:cNvPr id="4" name="Título 1">
             <a:extLst>
               <a:ext uri="{FF2B5EF4-FFF2-40B4-BE49-F238E27FC236}">
-                <a16:creationId xmlns:a16="http://schemas.microsoft.com/office/drawing/2014/main" id="{6C4B9538-2635-456B-B5BC-5D473578CE1D}"/>
+                <a16:creationId xmlns:a16="http://schemas.microsoft.com/office/drawing/2014/main" id="{8E1B3523-AB7D-43F4-8C89-E16841E04B02}"/>
               </a:ext>
             </a:extLst>
           </p:cNvPr>
@@ -8451,7 +8451,7 @@
         </p:nvSpPr>
         <p:spPr>
           <a:xfrm>
-            <a:off x="677334" y="609600"/>
+            <a:off x="422811" y="306417"/>
             <a:ext cx="8596668" cy="1320800"/>
           </a:xfrm>
         </p:spPr>
@@ -8461,17 +8461,22 @@
           <a:p>
             <a:r>
               <a:rPr lang="es-ES" dirty="0"/>
-              <a:t>IA pablo</a:t>
-            </a:r>
+              <a:t>Pinceladas de las </a:t>
+            </a:r>
+            <a:r>
+              <a:rPr lang="es-ES" dirty="0" err="1"/>
+              <a:t>SVMs</a:t>
+            </a:r>
+            <a:endParaRPr lang="es-ES" dirty="0"/>
           </a:p>
         </p:txBody>
       </p:sp>
       <p:pic>
         <p:nvPicPr>
-          <p:cNvPr id="8" name="Imagen 7">
+          <p:cNvPr id="5" name="Imagen 4" descr="Imagen que contiene captura de pantalla&#10;&#10;Descripción generada automáticamente">
             <a:extLst>
               <a:ext uri="{FF2B5EF4-FFF2-40B4-BE49-F238E27FC236}">
-                <a16:creationId xmlns:a16="http://schemas.microsoft.com/office/drawing/2014/main" id="{8B9EC349-B548-4990-A16E-2333A6472F7C}"/>
+                <a16:creationId xmlns:a16="http://schemas.microsoft.com/office/drawing/2014/main" id="{C862FE98-61E3-4B26-806E-AA91372B61FF}"/>
               </a:ext>
             </a:extLst>
           </p:cNvPr>
@@ -8481,15 +8486,21 @@
           <p:nvPr/>
         </p:nvPicPr>
         <p:blipFill>
-          <a:blip r:embed="rId2"/>
+          <a:blip r:embed="rId2">
+            <a:extLst>
+              <a:ext uri="{28A0092B-C50C-407E-A947-70E740481C1C}">
+                <a14:useLocalDpi xmlns:a14="http://schemas.microsoft.com/office/drawing/2010/main" val="0"/>
+              </a:ext>
+            </a:extLst>
+          </a:blip>
           <a:stretch>
             <a:fillRect/>
           </a:stretch>
         </p:blipFill>
         <p:spPr>
           <a:xfrm>
-            <a:off x="596930" y="1680132"/>
-            <a:ext cx="8677072" cy="3497735"/>
+            <a:off x="606382" y="1102936"/>
+            <a:ext cx="7101464" cy="5326098"/>
           </a:xfrm>
           <a:prstGeom prst="rect">
             <a:avLst/>
@@ -8499,7 +8510,7 @@
     </p:spTree>
     <p:extLst>
       <p:ext uri="{BB962C8B-B14F-4D97-AF65-F5344CB8AC3E}">
-        <p14:creationId xmlns:p14="http://schemas.microsoft.com/office/powerpoint/2010/main" val="4048137880"/>
+        <p14:creationId xmlns:p14="http://schemas.microsoft.com/office/powerpoint/2010/main" val="2715864286"/>
       </p:ext>
     </p:extLst>
   </p:cSld>

--- a/ppt/Presentacion.pptx
+++ b/ppt/Presentacion.pptx
@@ -11,11 +11,13 @@
     <p:sldId id="268" r:id="rId5"/>
     <p:sldId id="269" r:id="rId6"/>
     <p:sldId id="261" r:id="rId7"/>
-    <p:sldId id="266" r:id="rId8"/>
-    <p:sldId id="259" r:id="rId9"/>
-    <p:sldId id="264" r:id="rId10"/>
-    <p:sldId id="260" r:id="rId11"/>
-    <p:sldId id="263" r:id="rId12"/>
+    <p:sldId id="271" r:id="rId8"/>
+    <p:sldId id="266" r:id="rId9"/>
+    <p:sldId id="259" r:id="rId10"/>
+    <p:sldId id="264" r:id="rId11"/>
+    <p:sldId id="260" r:id="rId12"/>
+    <p:sldId id="263" r:id="rId13"/>
+    <p:sldId id="270" r:id="rId14"/>
   </p:sldIdLst>
   <p:sldSz cx="12192000" cy="6858000"/>
   <p:notesSz cx="6858000" cy="9144000"/>
@@ -6604,6 +6606,110 @@
       </p:grpSpPr>
       <p:sp>
         <p:nvSpPr>
+          <p:cNvPr id="4" name="Título 1">
+            <a:extLst>
+              <a:ext uri="{FF2B5EF4-FFF2-40B4-BE49-F238E27FC236}">
+                <a16:creationId xmlns:a16="http://schemas.microsoft.com/office/drawing/2014/main" id="{8E1B3523-AB7D-43F4-8C89-E16841E04B02}"/>
+              </a:ext>
+            </a:extLst>
+          </p:cNvPr>
+          <p:cNvSpPr>
+            <a:spLocks noGrp="1"/>
+          </p:cNvSpPr>
+          <p:nvPr>
+            <p:ph type="title"/>
+          </p:nvPr>
+        </p:nvSpPr>
+        <p:spPr>
+          <a:xfrm>
+            <a:off x="422811" y="306417"/>
+            <a:ext cx="8596668" cy="1320800"/>
+          </a:xfrm>
+        </p:spPr>
+        <p:txBody>
+          <a:bodyPr/>
+          <a:lstStyle/>
+          <a:p>
+            <a:r>
+              <a:rPr lang="es-ES" dirty="0"/>
+              <a:t>Pinceladas de las </a:t>
+            </a:r>
+            <a:r>
+              <a:rPr lang="es-ES" dirty="0" err="1"/>
+              <a:t>SVMs</a:t>
+            </a:r>
+            <a:endParaRPr lang="es-ES" dirty="0"/>
+          </a:p>
+        </p:txBody>
+      </p:sp>
+      <p:pic>
+        <p:nvPicPr>
+          <p:cNvPr id="5" name="Imagen 4" descr="Imagen que contiene captura de pantalla&#10;&#10;Descripción generada automáticamente">
+            <a:extLst>
+              <a:ext uri="{FF2B5EF4-FFF2-40B4-BE49-F238E27FC236}">
+                <a16:creationId xmlns:a16="http://schemas.microsoft.com/office/drawing/2014/main" id="{C862FE98-61E3-4B26-806E-AA91372B61FF}"/>
+              </a:ext>
+            </a:extLst>
+          </p:cNvPr>
+          <p:cNvPicPr>
+            <a:picLocks noChangeAspect="1"/>
+          </p:cNvPicPr>
+          <p:nvPr/>
+        </p:nvPicPr>
+        <p:blipFill>
+          <a:blip r:embed="rId2">
+            <a:extLst>
+              <a:ext uri="{28A0092B-C50C-407E-A947-70E740481C1C}">
+                <a14:useLocalDpi xmlns:a14="http://schemas.microsoft.com/office/drawing/2010/main" val="0"/>
+              </a:ext>
+            </a:extLst>
+          </a:blip>
+          <a:stretch>
+            <a:fillRect/>
+          </a:stretch>
+        </p:blipFill>
+        <p:spPr>
+          <a:xfrm>
+            <a:off x="606382" y="1102936"/>
+            <a:ext cx="7101464" cy="5326098"/>
+          </a:xfrm>
+          <a:prstGeom prst="rect">
+            <a:avLst/>
+          </a:prstGeom>
+        </p:spPr>
+      </p:pic>
+    </p:spTree>
+    <p:extLst>
+      <p:ext uri="{BB962C8B-B14F-4D97-AF65-F5344CB8AC3E}">
+        <p14:creationId xmlns:p14="http://schemas.microsoft.com/office/powerpoint/2010/main" val="2715864286"/>
+      </p:ext>
+    </p:extLst>
+  </p:cSld>
+  <p:clrMapOvr>
+    <a:masterClrMapping/>
+  </p:clrMapOvr>
+</p:sld>
+</file>
+
+<file path=ppt/slides/slide11.xml><?xml version="1.0" encoding="utf-8"?>
+<p:sld xmlns:a="http://schemas.openxmlformats.org/drawingml/2006/main" xmlns:r="http://schemas.openxmlformats.org/officeDocument/2006/relationships" xmlns:p="http://schemas.openxmlformats.org/presentationml/2006/main">
+  <p:cSld>
+    <p:spTree>
+      <p:nvGrpSpPr>
+        <p:cNvPr id="1" name=""/>
+        <p:cNvGrpSpPr/>
+        <p:nvPr/>
+      </p:nvGrpSpPr>
+      <p:grpSpPr>
+        <a:xfrm>
+          <a:off x="0" y="0"/>
+          <a:ext cx="0" cy="0"/>
+          <a:chOff x="0" y="0"/>
+          <a:chExt cx="0" cy="0"/>
+        </a:xfrm>
+      </p:grpSpPr>
+      <p:sp>
+        <p:nvSpPr>
           <p:cNvPr id="5" name="Título 1">
             <a:extLst>
               <a:ext uri="{FF2B5EF4-FFF2-40B4-BE49-F238E27FC236}">
@@ -6684,7 +6790,7 @@
 </p:sld>
 </file>
 
-<file path=ppt/slides/slide11.xml><?xml version="1.0" encoding="utf-8"?>
+<file path=ppt/slides/slide12.xml><?xml version="1.0" encoding="utf-8"?>
 <p:sld xmlns:a="http://schemas.openxmlformats.org/drawingml/2006/main" xmlns:r="http://schemas.openxmlformats.org/officeDocument/2006/relationships" xmlns:p="http://schemas.openxmlformats.org/presentationml/2006/main">
   <p:cSld>
     <p:spTree>
@@ -6748,12 +6854,185 @@
           </a:extLst>
         </p:spPr>
       </p:pic>
+      <p:pic>
+        <p:nvPicPr>
+          <p:cNvPr id="4" name="Imagen 3" descr="Pantalla de un video juego&#10;&#10;Descripción generada automáticamente">
+            <a:extLst>
+              <a:ext uri="{FF2B5EF4-FFF2-40B4-BE49-F238E27FC236}">
+                <a16:creationId xmlns:a16="http://schemas.microsoft.com/office/drawing/2014/main" id="{CF76E8F2-898E-40F2-A66C-D673F0FFBB52}"/>
+              </a:ext>
+            </a:extLst>
+          </p:cNvPr>
+          <p:cNvPicPr>
+            <a:picLocks noChangeAspect="1"/>
+          </p:cNvPicPr>
+          <p:nvPr/>
+        </p:nvPicPr>
+        <p:blipFill>
+          <a:blip r:embed="rId3">
+            <a:extLst>
+              <a:ext uri="{28A0092B-C50C-407E-A947-70E740481C1C}">
+                <a14:useLocalDpi xmlns:a14="http://schemas.microsoft.com/office/drawing/2010/main" val="0"/>
+              </a:ext>
+            </a:extLst>
+          </a:blip>
+          <a:stretch>
+            <a:fillRect/>
+          </a:stretch>
+        </p:blipFill>
+        <p:spPr>
+          <a:xfrm>
+            <a:off x="1474236" y="1286424"/>
+            <a:ext cx="8061650" cy="3598951"/>
+          </a:xfrm>
+          <a:prstGeom prst="rect">
+            <a:avLst/>
+          </a:prstGeom>
+        </p:spPr>
+      </p:pic>
+      <p:pic>
+        <p:nvPicPr>
+          <p:cNvPr id="5" name="Imagen 4" descr="Imagen que contiene tabla, blanco, hombre&#10;&#10;Descripción generada automáticamente">
+            <a:extLst>
+              <a:ext uri="{FF2B5EF4-FFF2-40B4-BE49-F238E27FC236}">
+                <a16:creationId xmlns:a16="http://schemas.microsoft.com/office/drawing/2014/main" id="{2F66B4F1-15B8-443E-BF53-9F4BA9EB40E4}"/>
+              </a:ext>
+            </a:extLst>
+          </p:cNvPr>
+          <p:cNvPicPr>
+            <a:picLocks noChangeAspect="1"/>
+          </p:cNvPicPr>
+          <p:nvPr/>
+        </p:nvPicPr>
+        <p:blipFill>
+          <a:blip r:embed="rId4">
+            <a:extLst>
+              <a:ext uri="{28A0092B-C50C-407E-A947-70E740481C1C}">
+                <a14:useLocalDpi xmlns:a14="http://schemas.microsoft.com/office/drawing/2010/main" val="0"/>
+              </a:ext>
+            </a:extLst>
+          </a:blip>
+          <a:stretch>
+            <a:fillRect/>
+          </a:stretch>
+        </p:blipFill>
+        <p:spPr>
+          <a:xfrm>
+            <a:off x="1474236" y="4885375"/>
+            <a:ext cx="8061651" cy="1587967"/>
+          </a:xfrm>
+          <a:prstGeom prst="rect">
+            <a:avLst/>
+          </a:prstGeom>
+        </p:spPr>
+      </p:pic>
+    </p:spTree>
+    <p:extLst>
+      <p:ext uri="{BB962C8B-B14F-4D97-AF65-F5344CB8AC3E}">
+        <p14:creationId xmlns:p14="http://schemas.microsoft.com/office/powerpoint/2010/main" val="1726678341"/>
+      </p:ext>
+    </p:extLst>
+  </p:cSld>
+  <p:clrMapOvr>
+    <a:masterClrMapping/>
+  </p:clrMapOvr>
+</p:sld>
+</file>
+
+<file path=ppt/slides/slide13.xml><?xml version="1.0" encoding="utf-8"?>
+<p:sld xmlns:a="http://schemas.openxmlformats.org/drawingml/2006/main" xmlns:r="http://schemas.openxmlformats.org/officeDocument/2006/relationships" xmlns:p="http://schemas.openxmlformats.org/presentationml/2006/main">
+  <p:cSld>
+    <p:spTree>
+      <p:nvGrpSpPr>
+        <p:cNvPr id="1" name=""/>
+        <p:cNvGrpSpPr/>
+        <p:nvPr/>
+      </p:nvGrpSpPr>
+      <p:grpSpPr>
+        <a:xfrm>
+          <a:off x="0" y="0"/>
+          <a:ext cx="0" cy="0"/>
+          <a:chOff x="0" y="0"/>
+          <a:chExt cx="0" cy="0"/>
+        </a:xfrm>
+      </p:grpSpPr>
+      <p:pic>
+        <p:nvPicPr>
+          <p:cNvPr id="4" name="Marcador de contenido 4">
+            <a:extLst>
+              <a:ext uri="{FF2B5EF4-FFF2-40B4-BE49-F238E27FC236}">
+                <a16:creationId xmlns:a16="http://schemas.microsoft.com/office/drawing/2014/main" id="{C358CC55-0F70-4D06-BA70-E58DDD0D4A92}"/>
+              </a:ext>
+            </a:extLst>
+          </p:cNvPr>
+          <p:cNvPicPr>
+            <a:picLocks noGrp="1" noChangeAspect="1"/>
+          </p:cNvPicPr>
+          <p:nvPr>
+            <p:ph idx="1"/>
+          </p:nvPr>
+        </p:nvPicPr>
+        <p:blipFill>
+          <a:blip r:embed="rId2">
+            <a:extLst>
+              <a:ext uri="{28A0092B-C50C-407E-A947-70E740481C1C}">
+                <a14:useLocalDpi xmlns:a14="http://schemas.microsoft.com/office/drawing/2010/main" val="0"/>
+              </a:ext>
+            </a:extLst>
+          </a:blip>
+          <a:stretch>
+            <a:fillRect/>
+          </a:stretch>
+        </p:blipFill>
+        <p:spPr>
+          <a:xfrm>
+            <a:off x="762393" y="4617775"/>
+            <a:ext cx="6579440" cy="1870297"/>
+          </a:xfrm>
+        </p:spPr>
+      </p:pic>
+      <p:pic>
+        <p:nvPicPr>
+          <p:cNvPr id="5" name="Imagen 4">
+            <a:extLst>
+              <a:ext uri="{FF2B5EF4-FFF2-40B4-BE49-F238E27FC236}">
+                <a16:creationId xmlns:a16="http://schemas.microsoft.com/office/drawing/2014/main" id="{1E8EFBA2-0BC0-4CE1-B7E9-19D841DC0561}"/>
+              </a:ext>
+            </a:extLst>
+          </p:cNvPr>
+          <p:cNvPicPr>
+            <a:picLocks noChangeAspect="1"/>
+          </p:cNvPicPr>
+          <p:nvPr/>
+        </p:nvPicPr>
+        <p:blipFill>
+          <a:blip r:embed="rId3">
+            <a:extLst>
+              <a:ext uri="{28A0092B-C50C-407E-A947-70E740481C1C}">
+                <a14:useLocalDpi xmlns:a14="http://schemas.microsoft.com/office/drawing/2010/main" val="0"/>
+              </a:ext>
+            </a:extLst>
+          </a:blip>
+          <a:stretch>
+            <a:fillRect/>
+          </a:stretch>
+        </p:blipFill>
+        <p:spPr>
+          <a:xfrm>
+            <a:off x="842291" y="830635"/>
+            <a:ext cx="5850859" cy="2285991"/>
+          </a:xfrm>
+          <a:prstGeom prst="rect">
+            <a:avLst/>
+          </a:prstGeom>
+        </p:spPr>
+      </p:pic>
       <p:sp>
         <p:nvSpPr>
           <p:cNvPr id="6" name="CuadroTexto 5">
             <a:extLst>
               <a:ext uri="{FF2B5EF4-FFF2-40B4-BE49-F238E27FC236}">
-                <a16:creationId xmlns:a16="http://schemas.microsoft.com/office/drawing/2014/main" id="{C8DE3676-89D7-4A14-A67E-F3D51DBA8868}"/>
+                <a16:creationId xmlns:a16="http://schemas.microsoft.com/office/drawing/2014/main" id="{36E490EC-DE5D-4BD5-B11C-5BD452F8C988}"/>
               </a:ext>
             </a:extLst>
           </p:cNvPr>
@@ -6762,8 +7041,8 @@
         </p:nvSpPr>
         <p:spPr>
           <a:xfrm>
-            <a:off x="1338606" y="2545236"/>
-            <a:ext cx="6994689" cy="369332"/>
+            <a:off x="762393" y="184304"/>
+            <a:ext cx="2483372" cy="646331"/>
           </a:xfrm>
           <a:prstGeom prst="rect">
             <a:avLst/>
@@ -6771,27 +7050,97 @@
           <a:noFill/>
         </p:spPr>
         <p:txBody>
+          <a:bodyPr wrap="none" rtlCol="0">
+            <a:spAutoFit/>
+          </a:bodyPr>
+          <a:lstStyle/>
+          <a:p>
+            <a:pPr>
+              <a:spcBef>
+                <a:spcPct val="0"/>
+              </a:spcBef>
+            </a:pPr>
+            <a:r>
+              <a:rPr lang="es-ES" sz="3600" dirty="0" err="1">
+                <a:solidFill>
+                  <a:schemeClr val="accent1"/>
+                </a:solidFill>
+                <a:latin typeface="+mj-lt"/>
+                <a:ea typeface="+mj-ea"/>
+                <a:cs typeface="+mj-cs"/>
+              </a:rPr>
+              <a:t>Datasource</a:t>
+            </a:r>
+            <a:endParaRPr lang="es-ES" sz="3600" dirty="0">
+              <a:solidFill>
+                <a:schemeClr val="accent1"/>
+              </a:solidFill>
+              <a:latin typeface="+mj-lt"/>
+              <a:ea typeface="+mj-ea"/>
+              <a:cs typeface="+mj-cs"/>
+            </a:endParaRPr>
+          </a:p>
+        </p:txBody>
+      </p:sp>
+      <p:sp>
+        <p:nvSpPr>
+          <p:cNvPr id="7" name="CuadroTexto 6">
+            <a:extLst>
+              <a:ext uri="{FF2B5EF4-FFF2-40B4-BE49-F238E27FC236}">
+                <a16:creationId xmlns:a16="http://schemas.microsoft.com/office/drawing/2014/main" id="{6AC1622D-BC59-4863-B6CF-4DDCDF283F54}"/>
+              </a:ext>
+            </a:extLst>
+          </p:cNvPr>
+          <p:cNvSpPr txBox="1"/>
+          <p:nvPr/>
+        </p:nvSpPr>
+        <p:spPr>
+          <a:xfrm>
+            <a:off x="762393" y="3971444"/>
+            <a:ext cx="2362547" cy="646331"/>
+          </a:xfrm>
+          <a:prstGeom prst="rect">
+            <a:avLst/>
+          </a:prstGeom>
+          <a:noFill/>
+        </p:spPr>
+        <p:txBody>
           <a:bodyPr wrap="square" rtlCol="0">
             <a:spAutoFit/>
           </a:bodyPr>
           <a:lstStyle/>
           <a:p>
-            <a:r>
-              <a:rPr lang="es-ES" dirty="0"/>
-              <a:t>Insertar foto del </a:t>
-            </a:r>
-            <a:r>
-              <a:rPr lang="es-ES" dirty="0" err="1"/>
-              <a:t>dashboard</a:t>
-            </a:r>
-            <a:endParaRPr lang="es-ES" dirty="0"/>
+            <a:pPr>
+              <a:spcBef>
+                <a:spcPct val="0"/>
+              </a:spcBef>
+            </a:pPr>
+            <a:r>
+              <a:rPr lang="es-ES" sz="3600" dirty="0" err="1">
+                <a:solidFill>
+                  <a:schemeClr val="accent1"/>
+                </a:solidFill>
+                <a:latin typeface="+mj-lt"/>
+                <a:ea typeface="+mj-ea"/>
+                <a:cs typeface="+mj-cs"/>
+              </a:rPr>
+              <a:t>Dashboard</a:t>
+            </a:r>
+            <a:endParaRPr lang="es-ES" sz="3600" dirty="0">
+              <a:solidFill>
+                <a:schemeClr val="accent1"/>
+              </a:solidFill>
+              <a:latin typeface="+mj-lt"/>
+              <a:ea typeface="+mj-ea"/>
+              <a:cs typeface="+mj-cs"/>
+            </a:endParaRPr>
           </a:p>
         </p:txBody>
       </p:sp>
     </p:spTree>
     <p:extLst>
       <p:ext uri="{BB962C8B-B14F-4D97-AF65-F5344CB8AC3E}">
-        <p14:creationId xmlns:p14="http://schemas.microsoft.com/office/powerpoint/2010/main" val="1726678341"/>
+        <p14:creationId xmlns:p14="http://schemas.microsoft.com/office/powerpoint/2010/main" val="1494698523"/>
       </p:ext>
     </p:extLst>
   </p:cSld>
@@ -8104,19 +8453,16 @@
               <a:rPr lang="es-ES" dirty="0" err="1"/>
               <a:t>colllector</a:t>
             </a:r>
-            <a:r>
-              <a:rPr lang="es-ES" dirty="0"/>
-              <a:t> (Adri)</a:t>
-            </a:r>
+            <a:endParaRPr lang="es-ES" dirty="0"/>
           </a:p>
         </p:txBody>
       </p:sp>
       <p:pic>
         <p:nvPicPr>
-          <p:cNvPr id="1026" name="Picture 2" descr="Resultado de imagen de influx logo">
+          <p:cNvPr id="6" name="Picture 2" descr="Resultado de imagen de influx logo">
             <a:extLst>
               <a:ext uri="{FF2B5EF4-FFF2-40B4-BE49-F238E27FC236}">
-                <a16:creationId xmlns:a16="http://schemas.microsoft.com/office/drawing/2014/main" id="{E8E72064-E5A8-4F92-AD0F-D21C4CEB52E5}"/>
+                <a16:creationId xmlns:a16="http://schemas.microsoft.com/office/drawing/2014/main" id="{248393A7-44C8-4578-BD82-37AEA2739B13}"/>
               </a:ext>
             </a:extLst>
           </p:cNvPr>
@@ -8140,7 +8486,7 @@
         </p:blipFill>
         <p:spPr bwMode="auto">
           <a:xfrm>
-            <a:off x="424206" y="1515269"/>
+            <a:off x="424206" y="1215149"/>
             <a:ext cx="5778038" cy="2151063"/>
           </a:xfrm>
           <a:prstGeom prst="rect">
@@ -8160,15 +8506,15 @@
       </p:pic>
       <p:pic>
         <p:nvPicPr>
-          <p:cNvPr id="1028" name="Picture 4" descr="Resultado de imagen de telegraf logo">
+          <p:cNvPr id="8" name="Imagen 7" descr="Imagen que contiene foto, negro, hombre, sostener&#10;&#10;Descripción generada automáticamente">
             <a:extLst>
               <a:ext uri="{FF2B5EF4-FFF2-40B4-BE49-F238E27FC236}">
-                <a16:creationId xmlns:a16="http://schemas.microsoft.com/office/drawing/2014/main" id="{46DC9435-287A-4E0E-904B-DC6735F5D67A}"/>
+                <a16:creationId xmlns:a16="http://schemas.microsoft.com/office/drawing/2014/main" id="{DA9C1718-E59D-4F90-BA3E-E99401D28A2D}"/>
               </a:ext>
             </a:extLst>
           </p:cNvPr>
           <p:cNvPicPr>
-            <a:picLocks noChangeAspect="1" noChangeArrowheads="1"/>
+            <a:picLocks noChangeAspect="1"/>
           </p:cNvPicPr>
           <p:nvPr/>
         </p:nvPicPr>
@@ -8180,29 +8526,54 @@
               </a:ext>
             </a:extLst>
           </a:blip>
-          <a:srcRect/>
           <a:stretch>
             <a:fillRect/>
           </a:stretch>
         </p:blipFill>
-        <p:spPr bwMode="auto">
+        <p:spPr>
           <a:xfrm>
-            <a:off x="561031" y="3251200"/>
-            <a:ext cx="5852933" cy="3048795"/>
+            <a:off x="1913810" y="2816809"/>
+            <a:ext cx="6381103" cy="1041812"/>
           </a:xfrm>
           <a:prstGeom prst="rect">
             <a:avLst/>
           </a:prstGeom>
-          <a:noFill/>
-          <a:extLst>
-            <a:ext uri="{909E8E84-426E-40DD-AFC4-6F175D3DCCD1}">
-              <a14:hiddenFill xmlns:a14="http://schemas.microsoft.com/office/drawing/2010/main">
-                <a:solidFill>
-                  <a:srgbClr val="FFFFFF"/>
-                </a:solidFill>
-              </a14:hiddenFill>
-            </a:ext>
-          </a:extLst>
+        </p:spPr>
+      </p:pic>
+      <p:pic>
+        <p:nvPicPr>
+          <p:cNvPr id="10" name="Imagen 9">
+            <a:extLst>
+              <a:ext uri="{FF2B5EF4-FFF2-40B4-BE49-F238E27FC236}">
+                <a16:creationId xmlns:a16="http://schemas.microsoft.com/office/drawing/2014/main" id="{713D078B-7F52-49CA-8805-8D8F4CF2D7BF}"/>
+              </a:ext>
+            </a:extLst>
+          </p:cNvPr>
+          <p:cNvPicPr>
+            <a:picLocks noChangeAspect="1"/>
+          </p:cNvPicPr>
+          <p:nvPr/>
+        </p:nvPicPr>
+        <p:blipFill>
+          <a:blip r:embed="rId4">
+            <a:extLst>
+              <a:ext uri="{28A0092B-C50C-407E-A947-70E740481C1C}">
+                <a14:useLocalDpi xmlns:a14="http://schemas.microsoft.com/office/drawing/2010/main" val="0"/>
+              </a:ext>
+            </a:extLst>
+          </a:blip>
+          <a:stretch>
+            <a:fillRect/>
+          </a:stretch>
+        </p:blipFill>
+        <p:spPr>
+          <a:xfrm>
+            <a:off x="1913810" y="4556646"/>
+            <a:ext cx="6584555" cy="1430287"/>
+          </a:xfrm>
+          <a:prstGeom prst="rect">
+            <a:avLst/>
+          </a:prstGeom>
         </p:spPr>
       </p:pic>
     </p:spTree>
@@ -8219,6 +8590,155 @@
 </file>
 
 <file path=ppt/slides/slide7.xml><?xml version="1.0" encoding="utf-8"?>
+<p:sld xmlns:a="http://schemas.openxmlformats.org/drawingml/2006/main" xmlns:r="http://schemas.openxmlformats.org/officeDocument/2006/relationships" xmlns:p="http://schemas.openxmlformats.org/presentationml/2006/main">
+  <p:cSld>
+    <p:spTree>
+      <p:nvGrpSpPr>
+        <p:cNvPr id="1" name=""/>
+        <p:cNvGrpSpPr/>
+        <p:nvPr/>
+      </p:nvGrpSpPr>
+      <p:grpSpPr>
+        <a:xfrm>
+          <a:off x="0" y="0"/>
+          <a:ext cx="0" cy="0"/>
+          <a:chOff x="0" y="0"/>
+          <a:chExt cx="0" cy="0"/>
+        </a:xfrm>
+      </p:grpSpPr>
+      <p:pic>
+        <p:nvPicPr>
+          <p:cNvPr id="6" name="Picture 4" descr="Resultado de imagen de telegraf logo">
+            <a:extLst>
+              <a:ext uri="{FF2B5EF4-FFF2-40B4-BE49-F238E27FC236}">
+                <a16:creationId xmlns:a16="http://schemas.microsoft.com/office/drawing/2014/main" id="{A80F0F20-8765-4A0C-AB6E-AE7085AA3880}"/>
+              </a:ext>
+            </a:extLst>
+          </p:cNvPr>
+          <p:cNvPicPr>
+            <a:picLocks noChangeAspect="1" noChangeArrowheads="1"/>
+          </p:cNvPicPr>
+          <p:nvPr/>
+        </p:nvPicPr>
+        <p:blipFill>
+          <a:blip r:embed="rId2">
+            <a:extLst>
+              <a:ext uri="{28A0092B-C50C-407E-A947-70E740481C1C}">
+                <a14:useLocalDpi xmlns:a14="http://schemas.microsoft.com/office/drawing/2010/main" val="0"/>
+              </a:ext>
+            </a:extLst>
+          </a:blip>
+          <a:srcRect/>
+          <a:stretch>
+            <a:fillRect/>
+          </a:stretch>
+        </p:blipFill>
+        <p:spPr bwMode="auto">
+          <a:xfrm>
+            <a:off x="243067" y="0"/>
+            <a:ext cx="5852933" cy="3048795"/>
+          </a:xfrm>
+          <a:prstGeom prst="rect">
+            <a:avLst/>
+          </a:prstGeom>
+          <a:noFill/>
+          <a:extLst>
+            <a:ext uri="{909E8E84-426E-40DD-AFC4-6F175D3DCCD1}">
+              <a14:hiddenFill xmlns:a14="http://schemas.microsoft.com/office/drawing/2010/main">
+                <a:solidFill>
+                  <a:srgbClr val="FFFFFF"/>
+                </a:solidFill>
+              </a14:hiddenFill>
+            </a:ext>
+          </a:extLst>
+        </p:spPr>
+      </p:pic>
+      <p:pic>
+        <p:nvPicPr>
+          <p:cNvPr id="8" name="Imagen 7" descr="Imagen que contiene interior, monitor, tabla, pantalla&#10;&#10;Descripción generada automáticamente">
+            <a:extLst>
+              <a:ext uri="{FF2B5EF4-FFF2-40B4-BE49-F238E27FC236}">
+                <a16:creationId xmlns:a16="http://schemas.microsoft.com/office/drawing/2014/main" id="{0DFC41C6-8850-45E8-A2BE-B762D6617D7B}"/>
+              </a:ext>
+            </a:extLst>
+          </p:cNvPr>
+          <p:cNvPicPr>
+            <a:picLocks noChangeAspect="1"/>
+          </p:cNvPicPr>
+          <p:nvPr/>
+        </p:nvPicPr>
+        <p:blipFill>
+          <a:blip r:embed="rId3">
+            <a:extLst>
+              <a:ext uri="{28A0092B-C50C-407E-A947-70E740481C1C}">
+                <a14:useLocalDpi xmlns:a14="http://schemas.microsoft.com/office/drawing/2010/main" val="0"/>
+              </a:ext>
+            </a:extLst>
+          </a:blip>
+          <a:stretch>
+            <a:fillRect/>
+          </a:stretch>
+        </p:blipFill>
+        <p:spPr>
+          <a:xfrm>
+            <a:off x="1525280" y="2278983"/>
+            <a:ext cx="7774430" cy="1150017"/>
+          </a:xfrm>
+          <a:prstGeom prst="rect">
+            <a:avLst/>
+          </a:prstGeom>
+        </p:spPr>
+      </p:pic>
+      <p:pic>
+        <p:nvPicPr>
+          <p:cNvPr id="9" name="Imagen 8">
+            <a:extLst>
+              <a:ext uri="{FF2B5EF4-FFF2-40B4-BE49-F238E27FC236}">
+                <a16:creationId xmlns:a16="http://schemas.microsoft.com/office/drawing/2014/main" id="{1E5451A2-D8FF-4E6C-B878-C75ECCCFB119}"/>
+              </a:ext>
+            </a:extLst>
+          </p:cNvPr>
+          <p:cNvPicPr>
+            <a:picLocks noChangeAspect="1"/>
+          </p:cNvPicPr>
+          <p:nvPr/>
+        </p:nvPicPr>
+        <p:blipFill>
+          <a:blip r:embed="rId4">
+            <a:extLst>
+              <a:ext uri="{28A0092B-C50C-407E-A947-70E740481C1C}">
+                <a14:useLocalDpi xmlns:a14="http://schemas.microsoft.com/office/drawing/2010/main" val="0"/>
+              </a:ext>
+            </a:extLst>
+          </a:blip>
+          <a:stretch>
+            <a:fillRect/>
+          </a:stretch>
+        </p:blipFill>
+        <p:spPr>
+          <a:xfrm>
+            <a:off x="1539028" y="4539890"/>
+            <a:ext cx="7192379" cy="1562318"/>
+          </a:xfrm>
+          <a:prstGeom prst="rect">
+            <a:avLst/>
+          </a:prstGeom>
+        </p:spPr>
+      </p:pic>
+    </p:spTree>
+    <p:extLst>
+      <p:ext uri="{BB962C8B-B14F-4D97-AF65-F5344CB8AC3E}">
+        <p14:creationId xmlns:p14="http://schemas.microsoft.com/office/powerpoint/2010/main" val="3647782384"/>
+      </p:ext>
+    </p:extLst>
+  </p:cSld>
+  <p:clrMapOvr>
+    <a:masterClrMapping/>
+  </p:clrMapOvr>
+</p:sld>
+</file>
+
+<file path=ppt/slides/slide8.xml><?xml version="1.0" encoding="utf-8"?>
 <p:sld xmlns:a="http://schemas.openxmlformats.org/drawingml/2006/main" xmlns:r="http://schemas.openxmlformats.org/officeDocument/2006/relationships" xmlns:p="http://schemas.openxmlformats.org/presentationml/2006/main">
   <p:cSld>
     <p:spTree>
@@ -8317,7 +8837,7 @@
 </p:sld>
 </file>
 
-<file path=ppt/slides/slide8.xml><?xml version="1.0" encoding="utf-8"?>
+<file path=ppt/slides/slide9.xml><?xml version="1.0" encoding="utf-8"?>
 <p:sld xmlns:a="http://schemas.openxmlformats.org/drawingml/2006/main" xmlns:r="http://schemas.openxmlformats.org/officeDocument/2006/relationships" xmlns:p="http://schemas.openxmlformats.org/presentationml/2006/main">
   <p:cSld>
     <p:spTree>
@@ -8407,110 +8927,6 @@
     <p:extLst>
       <p:ext uri="{BB962C8B-B14F-4D97-AF65-F5344CB8AC3E}">
         <p14:creationId xmlns:p14="http://schemas.microsoft.com/office/powerpoint/2010/main" val="376957943"/>
-      </p:ext>
-    </p:extLst>
-  </p:cSld>
-  <p:clrMapOvr>
-    <a:masterClrMapping/>
-  </p:clrMapOvr>
-</p:sld>
-</file>
-
-<file path=ppt/slides/slide9.xml><?xml version="1.0" encoding="utf-8"?>
-<p:sld xmlns:a="http://schemas.openxmlformats.org/drawingml/2006/main" xmlns:r="http://schemas.openxmlformats.org/officeDocument/2006/relationships" xmlns:p="http://schemas.openxmlformats.org/presentationml/2006/main">
-  <p:cSld>
-    <p:spTree>
-      <p:nvGrpSpPr>
-        <p:cNvPr id="1" name=""/>
-        <p:cNvGrpSpPr/>
-        <p:nvPr/>
-      </p:nvGrpSpPr>
-      <p:grpSpPr>
-        <a:xfrm>
-          <a:off x="0" y="0"/>
-          <a:ext cx="0" cy="0"/>
-          <a:chOff x="0" y="0"/>
-          <a:chExt cx="0" cy="0"/>
-        </a:xfrm>
-      </p:grpSpPr>
-      <p:sp>
-        <p:nvSpPr>
-          <p:cNvPr id="4" name="Título 1">
-            <a:extLst>
-              <a:ext uri="{FF2B5EF4-FFF2-40B4-BE49-F238E27FC236}">
-                <a16:creationId xmlns:a16="http://schemas.microsoft.com/office/drawing/2014/main" id="{8E1B3523-AB7D-43F4-8C89-E16841E04B02}"/>
-              </a:ext>
-            </a:extLst>
-          </p:cNvPr>
-          <p:cNvSpPr>
-            <a:spLocks noGrp="1"/>
-          </p:cNvSpPr>
-          <p:nvPr>
-            <p:ph type="title"/>
-          </p:nvPr>
-        </p:nvSpPr>
-        <p:spPr>
-          <a:xfrm>
-            <a:off x="422811" y="306417"/>
-            <a:ext cx="8596668" cy="1320800"/>
-          </a:xfrm>
-        </p:spPr>
-        <p:txBody>
-          <a:bodyPr/>
-          <a:lstStyle/>
-          <a:p>
-            <a:r>
-              <a:rPr lang="es-ES" dirty="0"/>
-              <a:t>Pinceladas de las </a:t>
-            </a:r>
-            <a:r>
-              <a:rPr lang="es-ES" dirty="0" err="1"/>
-              <a:t>SVMs</a:t>
-            </a:r>
-            <a:endParaRPr lang="es-ES" dirty="0"/>
-          </a:p>
-        </p:txBody>
-      </p:sp>
-      <p:pic>
-        <p:nvPicPr>
-          <p:cNvPr id="5" name="Imagen 4" descr="Imagen que contiene captura de pantalla&#10;&#10;Descripción generada automáticamente">
-            <a:extLst>
-              <a:ext uri="{FF2B5EF4-FFF2-40B4-BE49-F238E27FC236}">
-                <a16:creationId xmlns:a16="http://schemas.microsoft.com/office/drawing/2014/main" id="{C862FE98-61E3-4B26-806E-AA91372B61FF}"/>
-              </a:ext>
-            </a:extLst>
-          </p:cNvPr>
-          <p:cNvPicPr>
-            <a:picLocks noChangeAspect="1"/>
-          </p:cNvPicPr>
-          <p:nvPr/>
-        </p:nvPicPr>
-        <p:blipFill>
-          <a:blip r:embed="rId2">
-            <a:extLst>
-              <a:ext uri="{28A0092B-C50C-407E-A947-70E740481C1C}">
-                <a14:useLocalDpi xmlns:a14="http://schemas.microsoft.com/office/drawing/2010/main" val="0"/>
-              </a:ext>
-            </a:extLst>
-          </a:blip>
-          <a:stretch>
-            <a:fillRect/>
-          </a:stretch>
-        </p:blipFill>
-        <p:spPr>
-          <a:xfrm>
-            <a:off x="606382" y="1102936"/>
-            <a:ext cx="7101464" cy="5326098"/>
-          </a:xfrm>
-          <a:prstGeom prst="rect">
-            <a:avLst/>
-          </a:prstGeom>
-        </p:spPr>
-      </p:pic>
-    </p:spTree>
-    <p:extLst>
-      <p:ext uri="{BB962C8B-B14F-4D97-AF65-F5344CB8AC3E}">
-        <p14:creationId xmlns:p14="http://schemas.microsoft.com/office/powerpoint/2010/main" val="2715864286"/>
       </p:ext>
     </p:extLst>
   </p:cSld>
